--- a/documentação/BookCardDocumentação.pptx
+++ b/documentação/BookCardDocumentação.pptx
@@ -4,12 +4,19 @@
   <p:sldMasterIdLst>
     <p:sldMasterId id="2147483648" r:id="rId1"/>
   </p:sldMasterIdLst>
+  <p:notesMasterIdLst>
+    <p:notesMasterId r:id="rId11"/>
+  </p:notesMasterIdLst>
   <p:sldIdLst>
     <p:sldId id="256" r:id="rId2"/>
     <p:sldId id="257" r:id="rId3"/>
     <p:sldId id="258" r:id="rId4"/>
     <p:sldId id="259" r:id="rId5"/>
     <p:sldId id="260" r:id="rId6"/>
+    <p:sldId id="261" r:id="rId7"/>
+    <p:sldId id="262" r:id="rId8"/>
+    <p:sldId id="263" r:id="rId9"/>
+    <p:sldId id="264" r:id="rId10"/>
   </p:sldIdLst>
   <p:sldSz cx="12192000" cy="6858000"/>
   <p:notesSz cx="6858000" cy="9144000"/>
@@ -108,7 +115,446 @@
       </a:defRPr>
     </a:lvl9pPr>
   </p:defaultTextStyle>
+  <p:extLst>
+    <p:ext uri="{EFAFB233-063F-42B5-8137-9DF3F51BA10A}">
+      <p15:sldGuideLst xmlns:p15="http://schemas.microsoft.com/office/powerpoint/2012/main"/>
+    </p:ext>
+  </p:extLst>
 </p:presentation>
+</file>
+
+<file path=ppt/notesMasters/notesMaster1.xml><?xml version="1.0" encoding="utf-8"?>
+<p:notesMaster xmlns:a="http://schemas.openxmlformats.org/drawingml/2006/main" xmlns:r="http://schemas.openxmlformats.org/officeDocument/2006/relationships" xmlns:p="http://schemas.openxmlformats.org/presentationml/2006/main">
+  <p:cSld>
+    <p:bg>
+      <p:bgRef idx="1001">
+        <a:schemeClr val="bg1"/>
+      </p:bgRef>
+    </p:bg>
+    <p:spTree>
+      <p:nvGrpSpPr>
+        <p:cNvPr id="1" name=""/>
+        <p:cNvGrpSpPr/>
+        <p:nvPr/>
+      </p:nvGrpSpPr>
+      <p:grpSpPr>
+        <a:xfrm>
+          <a:off x="0" y="0"/>
+          <a:ext cx="0" cy="0"/>
+          <a:chOff x="0" y="0"/>
+          <a:chExt cx="0" cy="0"/>
+        </a:xfrm>
+      </p:grpSpPr>
+      <p:sp>
+        <p:nvSpPr>
+          <p:cNvPr id="2" name="Espaço Reservado para Cabeçalho 1"/>
+          <p:cNvSpPr>
+            <a:spLocks noGrp="1"/>
+          </p:cNvSpPr>
+          <p:nvPr>
+            <p:ph type="hdr" sz="quarter"/>
+          </p:nvPr>
+        </p:nvSpPr>
+        <p:spPr>
+          <a:xfrm>
+            <a:off x="0" y="0"/>
+            <a:ext cx="2971800" cy="458788"/>
+          </a:xfrm>
+          <a:prstGeom prst="rect">
+            <a:avLst/>
+          </a:prstGeom>
+        </p:spPr>
+        <p:txBody>
+          <a:bodyPr vert="horz" lIns="91440" tIns="45720" rIns="91440" bIns="45720" rtlCol="0"/>
+          <a:lstStyle>
+            <a:lvl1pPr algn="l">
+              <a:defRPr sz="1200"/>
+            </a:lvl1pPr>
+          </a:lstStyle>
+          <a:p>
+            <a:endParaRPr lang="pt-BR"/>
+          </a:p>
+        </p:txBody>
+      </p:sp>
+      <p:sp>
+        <p:nvSpPr>
+          <p:cNvPr id="3" name="Espaço Reservado para Data 2"/>
+          <p:cNvSpPr>
+            <a:spLocks noGrp="1"/>
+          </p:cNvSpPr>
+          <p:nvPr>
+            <p:ph type="dt" idx="1"/>
+          </p:nvPr>
+        </p:nvSpPr>
+        <p:spPr>
+          <a:xfrm>
+            <a:off x="3884613" y="0"/>
+            <a:ext cx="2971800" cy="458788"/>
+          </a:xfrm>
+          <a:prstGeom prst="rect">
+            <a:avLst/>
+          </a:prstGeom>
+        </p:spPr>
+        <p:txBody>
+          <a:bodyPr vert="horz" lIns="91440" tIns="45720" rIns="91440" bIns="45720" rtlCol="0"/>
+          <a:lstStyle>
+            <a:lvl1pPr algn="r">
+              <a:defRPr sz="1200"/>
+            </a:lvl1pPr>
+          </a:lstStyle>
+          <a:p>
+            <a:fld id="{4A7EEB82-B93D-4A51-B8AE-C366CF063F86}" type="datetimeFigureOut">
+              <a:rPr lang="pt-BR" smtClean="0"/>
+              <a:t>09/05/2023</a:t>
+            </a:fld>
+            <a:endParaRPr lang="pt-BR"/>
+          </a:p>
+        </p:txBody>
+      </p:sp>
+      <p:sp>
+        <p:nvSpPr>
+          <p:cNvPr id="4" name="Espaço Reservado para Imagem de Slide 3"/>
+          <p:cNvSpPr>
+            <a:spLocks noGrp="1" noRot="1" noChangeAspect="1"/>
+          </p:cNvSpPr>
+          <p:nvPr>
+            <p:ph type="sldImg" idx="2"/>
+          </p:nvPr>
+        </p:nvSpPr>
+        <p:spPr>
+          <a:xfrm>
+            <a:off x="685800" y="1143000"/>
+            <a:ext cx="5486400" cy="3086100"/>
+          </a:xfrm>
+          <a:prstGeom prst="rect">
+            <a:avLst/>
+          </a:prstGeom>
+          <a:noFill/>
+          <a:ln w="12700">
+            <a:solidFill>
+              <a:prstClr val="black"/>
+            </a:solidFill>
+          </a:ln>
+        </p:spPr>
+        <p:txBody>
+          <a:bodyPr vert="horz" lIns="91440" tIns="45720" rIns="91440" bIns="45720" rtlCol="0" anchor="ctr"/>
+          <a:lstStyle/>
+          <a:p>
+            <a:endParaRPr lang="pt-BR"/>
+          </a:p>
+        </p:txBody>
+      </p:sp>
+      <p:sp>
+        <p:nvSpPr>
+          <p:cNvPr id="5" name="Espaço Reservado para Anotações 4"/>
+          <p:cNvSpPr>
+            <a:spLocks noGrp="1"/>
+          </p:cNvSpPr>
+          <p:nvPr>
+            <p:ph type="body" sz="quarter" idx="3"/>
+          </p:nvPr>
+        </p:nvSpPr>
+        <p:spPr>
+          <a:xfrm>
+            <a:off x="685800" y="4400550"/>
+            <a:ext cx="5486400" cy="3600450"/>
+          </a:xfrm>
+          <a:prstGeom prst="rect">
+            <a:avLst/>
+          </a:prstGeom>
+        </p:spPr>
+        <p:txBody>
+          <a:bodyPr vert="horz" lIns="91440" tIns="45720" rIns="91440" bIns="45720" rtlCol="0"/>
+          <a:lstStyle/>
+          <a:p>
+            <a:pPr lvl="0"/>
+            <a:r>
+              <a:rPr lang="pt-BR" smtClean="0"/>
+              <a:t>Editar estilos de texto Mestre</a:t>
+            </a:r>
+          </a:p>
+          <a:p>
+            <a:pPr lvl="1"/>
+            <a:r>
+              <a:rPr lang="pt-BR" smtClean="0"/>
+              <a:t>Segundo nível</a:t>
+            </a:r>
+          </a:p>
+          <a:p>
+            <a:pPr lvl="2"/>
+            <a:r>
+              <a:rPr lang="pt-BR" smtClean="0"/>
+              <a:t>Terceiro nível</a:t>
+            </a:r>
+          </a:p>
+          <a:p>
+            <a:pPr lvl="3"/>
+            <a:r>
+              <a:rPr lang="pt-BR" smtClean="0"/>
+              <a:t>Quarto nível</a:t>
+            </a:r>
+          </a:p>
+          <a:p>
+            <a:pPr lvl="4"/>
+            <a:r>
+              <a:rPr lang="pt-BR" smtClean="0"/>
+              <a:t>Quinto nível</a:t>
+            </a:r>
+            <a:endParaRPr lang="pt-BR"/>
+          </a:p>
+        </p:txBody>
+      </p:sp>
+      <p:sp>
+        <p:nvSpPr>
+          <p:cNvPr id="6" name="Espaço Reservado para Rodapé 5"/>
+          <p:cNvSpPr>
+            <a:spLocks noGrp="1"/>
+          </p:cNvSpPr>
+          <p:nvPr>
+            <p:ph type="ftr" sz="quarter" idx="4"/>
+          </p:nvPr>
+        </p:nvSpPr>
+        <p:spPr>
+          <a:xfrm>
+            <a:off x="0" y="8685213"/>
+            <a:ext cx="2971800" cy="458787"/>
+          </a:xfrm>
+          <a:prstGeom prst="rect">
+            <a:avLst/>
+          </a:prstGeom>
+        </p:spPr>
+        <p:txBody>
+          <a:bodyPr vert="horz" lIns="91440" tIns="45720" rIns="91440" bIns="45720" rtlCol="0" anchor="b"/>
+          <a:lstStyle>
+            <a:lvl1pPr algn="l">
+              <a:defRPr sz="1200"/>
+            </a:lvl1pPr>
+          </a:lstStyle>
+          <a:p>
+            <a:endParaRPr lang="pt-BR"/>
+          </a:p>
+        </p:txBody>
+      </p:sp>
+      <p:sp>
+        <p:nvSpPr>
+          <p:cNvPr id="7" name="Espaço Reservado para Número de Slide 6"/>
+          <p:cNvSpPr>
+            <a:spLocks noGrp="1"/>
+          </p:cNvSpPr>
+          <p:nvPr>
+            <p:ph type="sldNum" sz="quarter" idx="5"/>
+          </p:nvPr>
+        </p:nvSpPr>
+        <p:spPr>
+          <a:xfrm>
+            <a:off x="3884613" y="8685213"/>
+            <a:ext cx="2971800" cy="458787"/>
+          </a:xfrm>
+          <a:prstGeom prst="rect">
+            <a:avLst/>
+          </a:prstGeom>
+        </p:spPr>
+        <p:txBody>
+          <a:bodyPr vert="horz" lIns="91440" tIns="45720" rIns="91440" bIns="45720" rtlCol="0" anchor="b"/>
+          <a:lstStyle>
+            <a:lvl1pPr algn="r">
+              <a:defRPr sz="1200"/>
+            </a:lvl1pPr>
+          </a:lstStyle>
+          <a:p>
+            <a:fld id="{4B8E2E01-06FF-4A83-AD7E-840B8A32B16E}" type="slidenum">
+              <a:rPr lang="pt-BR" smtClean="0"/>
+              <a:t>‹nº›</a:t>
+            </a:fld>
+            <a:endParaRPr lang="pt-BR"/>
+          </a:p>
+        </p:txBody>
+      </p:sp>
+    </p:spTree>
+    <p:extLst>
+      <p:ext uri="{BB962C8B-B14F-4D97-AF65-F5344CB8AC3E}">
+        <p14:creationId xmlns:p14="http://schemas.microsoft.com/office/powerpoint/2010/main" val="561484589"/>
+      </p:ext>
+    </p:extLst>
+  </p:cSld>
+  <p:clrMap bg1="lt1" tx1="dk1" bg2="lt2" tx2="dk2" accent1="accent1" accent2="accent2" accent3="accent3" accent4="accent4" accent5="accent5" accent6="accent6" hlink="hlink" folHlink="folHlink"/>
+  <p:notesStyle>
+    <a:lvl1pPr marL="0" algn="l" defTabSz="914400" rtl="0" eaLnBrk="1" latinLnBrk="0" hangingPunct="1">
+      <a:defRPr sz="1200" kern="1200">
+        <a:solidFill>
+          <a:schemeClr val="tx1"/>
+        </a:solidFill>
+        <a:latin typeface="+mn-lt"/>
+        <a:ea typeface="+mn-ea"/>
+        <a:cs typeface="+mn-cs"/>
+      </a:defRPr>
+    </a:lvl1pPr>
+    <a:lvl2pPr marL="457200" algn="l" defTabSz="914400" rtl="0" eaLnBrk="1" latinLnBrk="0" hangingPunct="1">
+      <a:defRPr sz="1200" kern="1200">
+        <a:solidFill>
+          <a:schemeClr val="tx1"/>
+        </a:solidFill>
+        <a:latin typeface="+mn-lt"/>
+        <a:ea typeface="+mn-ea"/>
+        <a:cs typeface="+mn-cs"/>
+      </a:defRPr>
+    </a:lvl2pPr>
+    <a:lvl3pPr marL="914400" algn="l" defTabSz="914400" rtl="0" eaLnBrk="1" latinLnBrk="0" hangingPunct="1">
+      <a:defRPr sz="1200" kern="1200">
+        <a:solidFill>
+          <a:schemeClr val="tx1"/>
+        </a:solidFill>
+        <a:latin typeface="+mn-lt"/>
+        <a:ea typeface="+mn-ea"/>
+        <a:cs typeface="+mn-cs"/>
+      </a:defRPr>
+    </a:lvl3pPr>
+    <a:lvl4pPr marL="1371600" algn="l" defTabSz="914400" rtl="0" eaLnBrk="1" latinLnBrk="0" hangingPunct="1">
+      <a:defRPr sz="1200" kern="1200">
+        <a:solidFill>
+          <a:schemeClr val="tx1"/>
+        </a:solidFill>
+        <a:latin typeface="+mn-lt"/>
+        <a:ea typeface="+mn-ea"/>
+        <a:cs typeface="+mn-cs"/>
+      </a:defRPr>
+    </a:lvl4pPr>
+    <a:lvl5pPr marL="1828800" algn="l" defTabSz="914400" rtl="0" eaLnBrk="1" latinLnBrk="0" hangingPunct="1">
+      <a:defRPr sz="1200" kern="1200">
+        <a:solidFill>
+          <a:schemeClr val="tx1"/>
+        </a:solidFill>
+        <a:latin typeface="+mn-lt"/>
+        <a:ea typeface="+mn-ea"/>
+        <a:cs typeface="+mn-cs"/>
+      </a:defRPr>
+    </a:lvl5pPr>
+    <a:lvl6pPr marL="2286000" algn="l" defTabSz="914400" rtl="0" eaLnBrk="1" latinLnBrk="0" hangingPunct="1">
+      <a:defRPr sz="1200" kern="1200">
+        <a:solidFill>
+          <a:schemeClr val="tx1"/>
+        </a:solidFill>
+        <a:latin typeface="+mn-lt"/>
+        <a:ea typeface="+mn-ea"/>
+        <a:cs typeface="+mn-cs"/>
+      </a:defRPr>
+    </a:lvl6pPr>
+    <a:lvl7pPr marL="2743200" algn="l" defTabSz="914400" rtl="0" eaLnBrk="1" latinLnBrk="0" hangingPunct="1">
+      <a:defRPr sz="1200" kern="1200">
+        <a:solidFill>
+          <a:schemeClr val="tx1"/>
+        </a:solidFill>
+        <a:latin typeface="+mn-lt"/>
+        <a:ea typeface="+mn-ea"/>
+        <a:cs typeface="+mn-cs"/>
+      </a:defRPr>
+    </a:lvl7pPr>
+    <a:lvl8pPr marL="3200400" algn="l" defTabSz="914400" rtl="0" eaLnBrk="1" latinLnBrk="0" hangingPunct="1">
+      <a:defRPr sz="1200" kern="1200">
+        <a:solidFill>
+          <a:schemeClr val="tx1"/>
+        </a:solidFill>
+        <a:latin typeface="+mn-lt"/>
+        <a:ea typeface="+mn-ea"/>
+        <a:cs typeface="+mn-cs"/>
+      </a:defRPr>
+    </a:lvl8pPr>
+    <a:lvl9pPr marL="3657600" algn="l" defTabSz="914400" rtl="0" eaLnBrk="1" latinLnBrk="0" hangingPunct="1">
+      <a:defRPr sz="1200" kern="1200">
+        <a:solidFill>
+          <a:schemeClr val="tx1"/>
+        </a:solidFill>
+        <a:latin typeface="+mn-lt"/>
+        <a:ea typeface="+mn-ea"/>
+        <a:cs typeface="+mn-cs"/>
+      </a:defRPr>
+    </a:lvl9pPr>
+  </p:notesStyle>
+</p:notesMaster>
+</file>
+
+<file path=ppt/notesSlides/notesSlide1.xml><?xml version="1.0" encoding="utf-8"?>
+<p:notes xmlns:a="http://schemas.openxmlformats.org/drawingml/2006/main" xmlns:r="http://schemas.openxmlformats.org/officeDocument/2006/relationships" xmlns:p="http://schemas.openxmlformats.org/presentationml/2006/main">
+  <p:cSld>
+    <p:spTree>
+      <p:nvGrpSpPr>
+        <p:cNvPr id="1" name=""/>
+        <p:cNvGrpSpPr/>
+        <p:nvPr/>
+      </p:nvGrpSpPr>
+      <p:grpSpPr>
+        <a:xfrm>
+          <a:off x="0" y="0"/>
+          <a:ext cx="0" cy="0"/>
+          <a:chOff x="0" y="0"/>
+          <a:chExt cx="0" cy="0"/>
+        </a:xfrm>
+      </p:grpSpPr>
+      <p:sp>
+        <p:nvSpPr>
+          <p:cNvPr id="2" name="Espaço Reservado para Imagem de Slide 1"/>
+          <p:cNvSpPr>
+            <a:spLocks noGrp="1" noRot="1" noChangeAspect="1"/>
+          </p:cNvSpPr>
+          <p:nvPr>
+            <p:ph type="sldImg"/>
+          </p:nvPr>
+        </p:nvSpPr>
+        <p:spPr/>
+      </p:sp>
+      <p:sp>
+        <p:nvSpPr>
+          <p:cNvPr id="3" name="Espaço Reservado para Anotações 2"/>
+          <p:cNvSpPr>
+            <a:spLocks noGrp="1"/>
+          </p:cNvSpPr>
+          <p:nvPr>
+            <p:ph type="body" idx="1"/>
+          </p:nvPr>
+        </p:nvSpPr>
+        <p:spPr/>
+        <p:txBody>
+          <a:bodyPr/>
+          <a:lstStyle/>
+          <a:p>
+            <a:endParaRPr lang="pt-BR" dirty="0"/>
+          </a:p>
+        </p:txBody>
+      </p:sp>
+      <p:sp>
+        <p:nvSpPr>
+          <p:cNvPr id="4" name="Espaço Reservado para Número de Slide 3"/>
+          <p:cNvSpPr>
+            <a:spLocks noGrp="1"/>
+          </p:cNvSpPr>
+          <p:nvPr>
+            <p:ph type="sldNum" sz="quarter" idx="10"/>
+          </p:nvPr>
+        </p:nvSpPr>
+        <p:spPr/>
+        <p:txBody>
+          <a:bodyPr/>
+          <a:lstStyle/>
+          <a:p>
+            <a:fld id="{4B8E2E01-06FF-4A83-AD7E-840B8A32B16E}" type="slidenum">
+              <a:rPr lang="pt-BR" smtClean="0"/>
+              <a:t>7</a:t>
+            </a:fld>
+            <a:endParaRPr lang="pt-BR"/>
+          </a:p>
+        </p:txBody>
+      </p:sp>
+    </p:spTree>
+    <p:extLst>
+      <p:ext uri="{BB962C8B-B14F-4D97-AF65-F5344CB8AC3E}">
+        <p14:creationId xmlns:p14="http://schemas.microsoft.com/office/powerpoint/2010/main" val="3055280383"/>
+      </p:ext>
+    </p:extLst>
+  </p:cSld>
+  <p:clrMapOvr>
+    <a:masterClrMapping/>
+  </p:clrMapOvr>
+</p:notes>
 </file>
 
 <file path=ppt/slideLayouts/slideLayout1.xml><?xml version="1.0" encoding="utf-8"?>
@@ -242,7 +688,7 @@
           <a:p>
             <a:fld id="{B03A6B5E-B581-4BB7-BDF1-C8F35FEF0D03}" type="datetimeFigureOut">
               <a:rPr lang="pt-BR" smtClean="0"/>
-              <a:t>02/05/2023</a:t>
+              <a:t>09/05/2023</a:t>
             </a:fld>
             <a:endParaRPr lang="pt-BR"/>
           </a:p>
@@ -412,7 +858,7 @@
           <a:p>
             <a:fld id="{B03A6B5E-B581-4BB7-BDF1-C8F35FEF0D03}" type="datetimeFigureOut">
               <a:rPr lang="pt-BR" smtClean="0"/>
-              <a:t>02/05/2023</a:t>
+              <a:t>09/05/2023</a:t>
             </a:fld>
             <a:endParaRPr lang="pt-BR"/>
           </a:p>
@@ -592,7 +1038,7 @@
           <a:p>
             <a:fld id="{B03A6B5E-B581-4BB7-BDF1-C8F35FEF0D03}" type="datetimeFigureOut">
               <a:rPr lang="pt-BR" smtClean="0"/>
-              <a:t>02/05/2023</a:t>
+              <a:t>09/05/2023</a:t>
             </a:fld>
             <a:endParaRPr lang="pt-BR"/>
           </a:p>
@@ -762,7 +1208,7 @@
           <a:p>
             <a:fld id="{B03A6B5E-B581-4BB7-BDF1-C8F35FEF0D03}" type="datetimeFigureOut">
               <a:rPr lang="pt-BR" smtClean="0"/>
-              <a:t>02/05/2023</a:t>
+              <a:t>09/05/2023</a:t>
             </a:fld>
             <a:endParaRPr lang="pt-BR"/>
           </a:p>
@@ -1008,7 +1454,7 @@
           <a:p>
             <a:fld id="{B03A6B5E-B581-4BB7-BDF1-C8F35FEF0D03}" type="datetimeFigureOut">
               <a:rPr lang="pt-BR" smtClean="0"/>
-              <a:t>02/05/2023</a:t>
+              <a:t>09/05/2023</a:t>
             </a:fld>
             <a:endParaRPr lang="pt-BR"/>
           </a:p>
@@ -1240,7 +1686,7 @@
           <a:p>
             <a:fld id="{B03A6B5E-B581-4BB7-BDF1-C8F35FEF0D03}" type="datetimeFigureOut">
               <a:rPr lang="pt-BR" smtClean="0"/>
-              <a:t>02/05/2023</a:t>
+              <a:t>09/05/2023</a:t>
             </a:fld>
             <a:endParaRPr lang="pt-BR"/>
           </a:p>
@@ -1607,7 +2053,7 @@
           <a:p>
             <a:fld id="{B03A6B5E-B581-4BB7-BDF1-C8F35FEF0D03}" type="datetimeFigureOut">
               <a:rPr lang="pt-BR" smtClean="0"/>
-              <a:t>02/05/2023</a:t>
+              <a:t>09/05/2023</a:t>
             </a:fld>
             <a:endParaRPr lang="pt-BR"/>
           </a:p>
@@ -1725,7 +2171,7 @@
           <a:p>
             <a:fld id="{B03A6B5E-B581-4BB7-BDF1-C8F35FEF0D03}" type="datetimeFigureOut">
               <a:rPr lang="pt-BR" smtClean="0"/>
-              <a:t>02/05/2023</a:t>
+              <a:t>09/05/2023</a:t>
             </a:fld>
             <a:endParaRPr lang="pt-BR"/>
           </a:p>
@@ -1820,7 +2266,7 @@
           <a:p>
             <a:fld id="{B03A6B5E-B581-4BB7-BDF1-C8F35FEF0D03}" type="datetimeFigureOut">
               <a:rPr lang="pt-BR" smtClean="0"/>
-              <a:t>02/05/2023</a:t>
+              <a:t>09/05/2023</a:t>
             </a:fld>
             <a:endParaRPr lang="pt-BR"/>
           </a:p>
@@ -2097,7 +2543,7 @@
           <a:p>
             <a:fld id="{B03A6B5E-B581-4BB7-BDF1-C8F35FEF0D03}" type="datetimeFigureOut">
               <a:rPr lang="pt-BR" smtClean="0"/>
-              <a:t>02/05/2023</a:t>
+              <a:t>09/05/2023</a:t>
             </a:fld>
             <a:endParaRPr lang="pt-BR"/>
           </a:p>
@@ -2350,7 +2796,7 @@
           <a:p>
             <a:fld id="{B03A6B5E-B581-4BB7-BDF1-C8F35FEF0D03}" type="datetimeFigureOut">
               <a:rPr lang="pt-BR" smtClean="0"/>
-              <a:t>02/05/2023</a:t>
+              <a:t>09/05/2023</a:t>
             </a:fld>
             <a:endParaRPr lang="pt-BR"/>
           </a:p>
@@ -2563,7 +3009,7 @@
           <a:p>
             <a:fld id="{B03A6B5E-B581-4BB7-BDF1-C8F35FEF0D03}" type="datetimeFigureOut">
               <a:rPr lang="pt-BR" smtClean="0"/>
-              <a:t>02/05/2023</a:t>
+              <a:t>09/05/2023</a:t>
             </a:fld>
             <a:endParaRPr lang="pt-BR"/>
           </a:p>
@@ -3093,30 +3539,6 @@
           </a:prstGeom>
         </p:spPr>
       </p:pic>
-      <p:pic>
-        <p:nvPicPr>
-          <p:cNvPr id="7" name="Imagem 6"/>
-          <p:cNvPicPr>
-            <a:picLocks noChangeAspect="1"/>
-          </p:cNvPicPr>
-          <p:nvPr/>
-        </p:nvPicPr>
-        <p:blipFill>
-          <a:blip r:embed="rId2"/>
-          <a:stretch>
-            <a:fillRect/>
-          </a:stretch>
-        </p:blipFill>
-        <p:spPr>
-          <a:xfrm>
-            <a:off x="8129301" y="1452580"/>
-            <a:ext cx="2036240" cy="935544"/>
-          </a:xfrm>
-          <a:prstGeom prst="rect">
-            <a:avLst/>
-          </a:prstGeom>
-        </p:spPr>
-      </p:pic>
       <p:sp>
         <p:nvSpPr>
           <p:cNvPr id="9" name="Retângulo 8"/>
@@ -3141,35 +3563,6 @@
             <a:r>
               <a:rPr lang="pt-BR" dirty="0" smtClean="0"/>
               <a:t>CAPITULO</a:t>
-            </a:r>
-            <a:endParaRPr lang="pt-BR" dirty="0"/>
-          </a:p>
-        </p:txBody>
-      </p:sp>
-      <p:sp>
-        <p:nvSpPr>
-          <p:cNvPr id="10" name="Retângulo 9"/>
-          <p:cNvSpPr/>
-          <p:nvPr/>
-        </p:nvSpPr>
-        <p:spPr>
-          <a:xfrm>
-            <a:off x="8593431" y="1717686"/>
-            <a:ext cx="1194109" cy="369332"/>
-          </a:xfrm>
-          <a:prstGeom prst="rect">
-            <a:avLst/>
-          </a:prstGeom>
-        </p:spPr>
-        <p:txBody>
-          <a:bodyPr wrap="none">
-            <a:spAutoFit/>
-          </a:bodyPr>
-          <a:lstStyle/>
-          <a:p>
-            <a:r>
-              <a:rPr lang="pt-BR" dirty="0" smtClean="0"/>
-              <a:t>LISTACARD</a:t>
             </a:r>
             <a:endParaRPr lang="pt-BR" dirty="0"/>
           </a:p>
@@ -3305,7 +3698,7 @@
         </p:blipFill>
         <p:spPr>
           <a:xfrm>
-            <a:off x="6848236" y="1586955"/>
+            <a:off x="8246262" y="1557898"/>
             <a:ext cx="816935" cy="688908"/>
           </a:xfrm>
           <a:prstGeom prst="rect">
@@ -3323,42 +3716,9 @@
           <p:nvPr/>
         </p:nvCxnSpPr>
         <p:spPr>
-          <a:xfrm flipH="1" flipV="1">
-            <a:off x="6317738" y="1909296"/>
-            <a:ext cx="530498" cy="22113"/>
-          </a:xfrm>
-          <a:prstGeom prst="line">
-            <a:avLst/>
-          </a:prstGeom>
-        </p:spPr>
-        <p:style>
-          <a:lnRef idx="1">
-            <a:schemeClr val="accent1"/>
-          </a:lnRef>
-          <a:fillRef idx="0">
-            <a:schemeClr val="accent1"/>
-          </a:fillRef>
-          <a:effectRef idx="0">
-            <a:schemeClr val="accent1"/>
-          </a:effectRef>
-          <a:fontRef idx="minor">
-            <a:schemeClr val="tx1"/>
-          </a:fontRef>
-        </p:style>
-      </p:cxnSp>
-      <p:cxnSp>
-        <p:nvCxnSpPr>
-          <p:cNvPr id="25" name="Conector reto 24"/>
-          <p:cNvCxnSpPr>
-            <a:stCxn id="21" idx="3"/>
-            <a:endCxn id="7" idx="1"/>
-          </p:cNvCxnSpPr>
-          <p:nvPr/>
-        </p:nvCxnSpPr>
-        <p:spPr>
-          <a:xfrm flipV="1">
-            <a:off x="7665171" y="1920352"/>
-            <a:ext cx="464130" cy="11057"/>
+          <a:xfrm flipH="1">
+            <a:off x="6317738" y="1902352"/>
+            <a:ext cx="1928524" cy="6944"/>
           </a:xfrm>
           <a:prstGeom prst="line">
             <a:avLst/>
@@ -3686,7 +4046,7 @@
         </p:blipFill>
         <p:spPr>
           <a:xfrm>
-            <a:off x="6865988" y="3544621"/>
+            <a:off x="6851697" y="3580997"/>
             <a:ext cx="816935" cy="688908"/>
           </a:xfrm>
           <a:prstGeom prst="rect">
@@ -3705,8 +4065,8 @@
         </p:nvCxnSpPr>
         <p:spPr>
           <a:xfrm flipH="1">
-            <a:off x="6370848" y="3889075"/>
-            <a:ext cx="495140" cy="36376"/>
+            <a:off x="6370848" y="3925451"/>
+            <a:ext cx="480849" cy="0"/>
           </a:xfrm>
           <a:prstGeom prst="line">
             <a:avLst/>
@@ -3738,8 +4098,8 @@
         </p:nvCxnSpPr>
         <p:spPr>
           <a:xfrm>
-            <a:off x="7682923" y="3889075"/>
-            <a:ext cx="462626" cy="51030"/>
+            <a:off x="7668632" y="3925451"/>
+            <a:ext cx="476917" cy="14654"/>
           </a:xfrm>
           <a:prstGeom prst="line">
             <a:avLst/>
@@ -3768,7 +4128,7 @@
         </p:nvSpPr>
         <p:spPr>
           <a:xfrm>
-            <a:off x="4361964" y="5240428"/>
+            <a:off x="4295508" y="5860407"/>
             <a:ext cx="2022230" cy="905608"/>
           </a:xfrm>
           <a:prstGeom prst="rect">
@@ -3809,7 +4169,7 @@
         </p:nvSpPr>
         <p:spPr>
           <a:xfrm>
-            <a:off x="4537905" y="5411249"/>
+            <a:off x="4584614" y="6046149"/>
             <a:ext cx="1971805" cy="646331"/>
           </a:xfrm>
           <a:prstGeom prst="rect">
@@ -3842,14 +4202,13 @@
           <p:cNvPr id="44" name="Conector reto 43"/>
           <p:cNvCxnSpPr>
             <a:stCxn id="41" idx="0"/>
-            <a:endCxn id="31" idx="2"/>
           </p:cNvCxnSpPr>
           <p:nvPr/>
         </p:nvCxnSpPr>
         <p:spPr>
-          <a:xfrm flipH="1" flipV="1">
-            <a:off x="5352728" y="4385739"/>
-            <a:ext cx="20351" cy="854689"/>
+          <a:xfrm flipV="1">
+            <a:off x="5306623" y="5499705"/>
+            <a:ext cx="1653" cy="360702"/>
           </a:xfrm>
           <a:prstGeom prst="line">
             <a:avLst/>
@@ -3925,7 +4284,6 @@
               <a:rPr lang="pt-BR" dirty="0"/>
               <a:t>N</a:t>
             </a:r>
-            <a:endParaRPr lang="pt-BR" dirty="0"/>
           </a:p>
         </p:txBody>
       </p:sp>
@@ -3937,7 +4295,7 @@
         </p:nvSpPr>
         <p:spPr>
           <a:xfrm>
-            <a:off x="6513102" y="1637985"/>
+            <a:off x="6431906" y="1517565"/>
             <a:ext cx="301686" cy="369332"/>
           </a:xfrm>
           <a:prstGeom prst="rect">
@@ -3958,9 +4316,96 @@
           </a:p>
         </p:txBody>
       </p:sp>
+      <p:sp>
+        <p:nvSpPr>
+          <p:cNvPr id="63" name="Retângulo 62"/>
+          <p:cNvSpPr/>
+          <p:nvPr/>
+        </p:nvSpPr>
+        <p:spPr>
+          <a:xfrm>
+            <a:off x="2474277" y="3581187"/>
+            <a:ext cx="301686" cy="369332"/>
+          </a:xfrm>
+          <a:prstGeom prst="rect">
+            <a:avLst/>
+          </a:prstGeom>
+        </p:spPr>
+        <p:txBody>
+          <a:bodyPr wrap="none">
+            <a:spAutoFit/>
+          </a:bodyPr>
+          <a:lstStyle/>
+          <a:p>
+            <a:r>
+              <a:rPr lang="pt-BR" dirty="0" smtClean="0"/>
+              <a:t>1</a:t>
+            </a:r>
+            <a:endParaRPr lang="pt-BR" dirty="0"/>
+          </a:p>
+        </p:txBody>
+      </p:sp>
+      <p:sp>
+        <p:nvSpPr>
+          <p:cNvPr id="64" name="Retângulo 63"/>
+          <p:cNvSpPr/>
+          <p:nvPr/>
+        </p:nvSpPr>
+        <p:spPr>
+          <a:xfrm>
+            <a:off x="7665171" y="3536832"/>
+            <a:ext cx="238368" cy="369332"/>
+          </a:xfrm>
+          <a:prstGeom prst="rect">
+            <a:avLst/>
+          </a:prstGeom>
+        </p:spPr>
+        <p:txBody>
+          <a:bodyPr wrap="square">
+            <a:spAutoFit/>
+          </a:bodyPr>
+          <a:lstStyle/>
+          <a:p>
+            <a:r>
+              <a:rPr lang="pt-BR" dirty="0" smtClean="0"/>
+              <a:t>1</a:t>
+            </a:r>
+            <a:endParaRPr lang="pt-BR" dirty="0"/>
+          </a:p>
+        </p:txBody>
+      </p:sp>
+      <p:sp>
+        <p:nvSpPr>
+          <p:cNvPr id="66" name="Retângulo 65"/>
+          <p:cNvSpPr/>
+          <p:nvPr/>
+        </p:nvSpPr>
+        <p:spPr>
+          <a:xfrm>
+            <a:off x="5511321" y="5426206"/>
+            <a:ext cx="301686" cy="369332"/>
+          </a:xfrm>
+          <a:prstGeom prst="rect">
+            <a:avLst/>
+          </a:prstGeom>
+        </p:spPr>
+        <p:txBody>
+          <a:bodyPr wrap="none">
+            <a:spAutoFit/>
+          </a:bodyPr>
+          <a:lstStyle/>
+          <a:p>
+            <a:r>
+              <a:rPr lang="pt-BR" dirty="0" smtClean="0"/>
+              <a:t>1</a:t>
+            </a:r>
+            <a:endParaRPr lang="pt-BR" dirty="0"/>
+          </a:p>
+        </p:txBody>
+      </p:sp>
       <p:pic>
         <p:nvPicPr>
-          <p:cNvPr id="52" name="Imagem 51"/>
+          <p:cNvPr id="46" name="Imagem 45"/>
           <p:cNvPicPr>
             <a:picLocks noChangeAspect="1"/>
           </p:cNvPicPr>
@@ -3974,8 +4419,8 @@
         </p:blipFill>
         <p:spPr>
           <a:xfrm>
-            <a:off x="8786936" y="2648349"/>
-            <a:ext cx="714127" cy="602212"/>
+            <a:off x="4934554" y="4812234"/>
+            <a:ext cx="816935" cy="688908"/>
           </a:xfrm>
           <a:prstGeom prst="rect">
             <a:avLst/>
@@ -3984,17 +4429,17 @@
       </p:pic>
       <p:cxnSp>
         <p:nvCxnSpPr>
-          <p:cNvPr id="55" name="Conector reto 54"/>
+          <p:cNvPr id="12" name="Conector reto 11"/>
           <p:cNvCxnSpPr>
-            <a:stCxn id="52" idx="0"/>
-            <a:endCxn id="7" idx="2"/>
+            <a:stCxn id="46" idx="0"/>
+            <a:endCxn id="31" idx="2"/>
           </p:cNvCxnSpPr>
           <p:nvPr/>
         </p:nvCxnSpPr>
         <p:spPr>
           <a:xfrm flipV="1">
-            <a:off x="9144000" y="2388124"/>
-            <a:ext cx="3421" cy="260225"/>
+            <a:off x="5343022" y="4385739"/>
+            <a:ext cx="9706" cy="426495"/>
           </a:xfrm>
           <a:prstGeom prst="line">
             <a:avLst/>
@@ -4015,19 +4460,130 @@
           </a:fontRef>
         </p:style>
       </p:cxnSp>
+      <p:sp>
+        <p:nvSpPr>
+          <p:cNvPr id="54" name="Retângulo 53"/>
+          <p:cNvSpPr/>
+          <p:nvPr/>
+        </p:nvSpPr>
+        <p:spPr>
+          <a:xfrm>
+            <a:off x="6465416" y="3505344"/>
+            <a:ext cx="333746" cy="369332"/>
+          </a:xfrm>
+          <a:prstGeom prst="rect">
+            <a:avLst/>
+          </a:prstGeom>
+        </p:spPr>
+        <p:txBody>
+          <a:bodyPr wrap="none">
+            <a:spAutoFit/>
+          </a:bodyPr>
+          <a:lstStyle/>
+          <a:p>
+            <a:r>
+              <a:rPr lang="pt-BR" dirty="0"/>
+              <a:t>N</a:t>
+            </a:r>
+          </a:p>
+        </p:txBody>
+      </p:sp>
+      <p:sp>
+        <p:nvSpPr>
+          <p:cNvPr id="56" name="Retângulo 55"/>
+          <p:cNvSpPr/>
+          <p:nvPr/>
+        </p:nvSpPr>
+        <p:spPr>
+          <a:xfrm>
+            <a:off x="5430303" y="4458289"/>
+            <a:ext cx="333746" cy="369332"/>
+          </a:xfrm>
+          <a:prstGeom prst="rect">
+            <a:avLst/>
+          </a:prstGeom>
+        </p:spPr>
+        <p:txBody>
+          <a:bodyPr wrap="none">
+            <a:spAutoFit/>
+          </a:bodyPr>
+          <a:lstStyle/>
+          <a:p>
+            <a:r>
+              <a:rPr lang="pt-BR" dirty="0"/>
+              <a:t>N</a:t>
+            </a:r>
+          </a:p>
+        </p:txBody>
+      </p:sp>
+      <p:sp>
+        <p:nvSpPr>
+          <p:cNvPr id="59" name="Retângulo 58"/>
+          <p:cNvSpPr/>
+          <p:nvPr/>
+        </p:nvSpPr>
+        <p:spPr>
+          <a:xfrm>
+            <a:off x="3852715" y="3536832"/>
+            <a:ext cx="333746" cy="369332"/>
+          </a:xfrm>
+          <a:prstGeom prst="rect">
+            <a:avLst/>
+          </a:prstGeom>
+        </p:spPr>
+        <p:txBody>
+          <a:bodyPr wrap="none">
+            <a:spAutoFit/>
+          </a:bodyPr>
+          <a:lstStyle/>
+          <a:p>
+            <a:r>
+              <a:rPr lang="pt-BR" dirty="0"/>
+              <a:t>N</a:t>
+            </a:r>
+          </a:p>
+        </p:txBody>
+      </p:sp>
+      <p:sp>
+        <p:nvSpPr>
+          <p:cNvPr id="60" name="Retângulo 59"/>
+          <p:cNvSpPr/>
+          <p:nvPr/>
+        </p:nvSpPr>
+        <p:spPr>
+          <a:xfrm>
+            <a:off x="9126415" y="2998176"/>
+            <a:ext cx="370529" cy="369332"/>
+          </a:xfrm>
+          <a:prstGeom prst="rect">
+            <a:avLst/>
+          </a:prstGeom>
+        </p:spPr>
+        <p:txBody>
+          <a:bodyPr wrap="square">
+            <a:spAutoFit/>
+          </a:bodyPr>
+          <a:lstStyle/>
+          <a:p>
+            <a:r>
+              <a:rPr lang="pt-BR" dirty="0"/>
+              <a:t>N</a:t>
+            </a:r>
+          </a:p>
+        </p:txBody>
+      </p:sp>
       <p:cxnSp>
         <p:nvCxnSpPr>
-          <p:cNvPr id="57" name="Conector reto 56"/>
+          <p:cNvPr id="8" name="Conector reto 7"/>
           <p:cNvCxnSpPr>
-            <a:stCxn id="52" idx="2"/>
-            <a:endCxn id="32" idx="0"/>
+            <a:stCxn id="21" idx="3"/>
           </p:cNvCxnSpPr>
           <p:nvPr/>
         </p:nvCxnSpPr>
         <p:spPr>
           <a:xfrm>
-            <a:off x="9144000" y="3250561"/>
-            <a:ext cx="19669" cy="221772"/>
+            <a:off x="9063197" y="1902352"/>
+            <a:ext cx="0" cy="1541868"/>
           </a:xfrm>
           <a:prstGeom prst="line">
             <a:avLst/>
@@ -4048,122 +4604,6 @@
           </a:fontRef>
         </p:style>
       </p:cxnSp>
-      <p:sp>
-        <p:nvSpPr>
-          <p:cNvPr id="63" name="Retângulo 62"/>
-          <p:cNvSpPr/>
-          <p:nvPr/>
-        </p:nvSpPr>
-        <p:spPr>
-          <a:xfrm>
-            <a:off x="2474277" y="3581187"/>
-            <a:ext cx="301686" cy="369332"/>
-          </a:xfrm>
-          <a:prstGeom prst="rect">
-            <a:avLst/>
-          </a:prstGeom>
-        </p:spPr>
-        <p:txBody>
-          <a:bodyPr wrap="none">
-            <a:spAutoFit/>
-          </a:bodyPr>
-          <a:lstStyle/>
-          <a:p>
-            <a:r>
-              <a:rPr lang="pt-BR" dirty="0" smtClean="0"/>
-              <a:t>1</a:t>
-            </a:r>
-            <a:endParaRPr lang="pt-BR" dirty="0"/>
-          </a:p>
-        </p:txBody>
-      </p:sp>
-      <p:sp>
-        <p:nvSpPr>
-          <p:cNvPr id="64" name="Retângulo 63"/>
-          <p:cNvSpPr/>
-          <p:nvPr/>
-        </p:nvSpPr>
-        <p:spPr>
-          <a:xfrm>
-            <a:off x="7665171" y="3610393"/>
-            <a:ext cx="301686" cy="369332"/>
-          </a:xfrm>
-          <a:prstGeom prst="rect">
-            <a:avLst/>
-          </a:prstGeom>
-        </p:spPr>
-        <p:txBody>
-          <a:bodyPr wrap="none">
-            <a:spAutoFit/>
-          </a:bodyPr>
-          <a:lstStyle/>
-          <a:p>
-            <a:r>
-              <a:rPr lang="pt-BR" dirty="0" smtClean="0"/>
-              <a:t>1</a:t>
-            </a:r>
-            <a:endParaRPr lang="pt-BR" dirty="0"/>
-          </a:p>
-        </p:txBody>
-      </p:sp>
-      <p:sp>
-        <p:nvSpPr>
-          <p:cNvPr id="65" name="Retângulo 64"/>
-          <p:cNvSpPr/>
-          <p:nvPr/>
-        </p:nvSpPr>
-        <p:spPr>
-          <a:xfrm>
-            <a:off x="9197812" y="2406501"/>
-            <a:ext cx="301686" cy="369332"/>
-          </a:xfrm>
-          <a:prstGeom prst="rect">
-            <a:avLst/>
-          </a:prstGeom>
-        </p:spPr>
-        <p:txBody>
-          <a:bodyPr wrap="none">
-            <a:spAutoFit/>
-          </a:bodyPr>
-          <a:lstStyle/>
-          <a:p>
-            <a:r>
-              <a:rPr lang="pt-BR" dirty="0" smtClean="0"/>
-              <a:t>1</a:t>
-            </a:r>
-            <a:endParaRPr lang="pt-BR" dirty="0"/>
-          </a:p>
-        </p:txBody>
-      </p:sp>
-      <p:sp>
-        <p:nvSpPr>
-          <p:cNvPr id="66" name="Retângulo 65"/>
-          <p:cNvSpPr/>
-          <p:nvPr/>
-        </p:nvSpPr>
-        <p:spPr>
-          <a:xfrm>
-            <a:off x="5632477" y="4879726"/>
-            <a:ext cx="301686" cy="369332"/>
-          </a:xfrm>
-          <a:prstGeom prst="rect">
-            <a:avLst/>
-          </a:prstGeom>
-        </p:spPr>
-        <p:txBody>
-          <a:bodyPr wrap="none">
-            <a:spAutoFit/>
-          </a:bodyPr>
-          <a:lstStyle/>
-          <a:p>
-            <a:r>
-              <a:rPr lang="pt-BR" dirty="0" smtClean="0"/>
-              <a:t>1</a:t>
-            </a:r>
-            <a:endParaRPr lang="pt-BR" dirty="0"/>
-          </a:p>
-        </p:txBody>
-      </p:sp>
     </p:spTree>
     <p:extLst>
       <p:ext uri="{BB962C8B-B14F-4D97-AF65-F5344CB8AC3E}">
@@ -6165,6 +6605,1761 @@
     <p:extLst>
       <p:ext uri="{BB962C8B-B14F-4D97-AF65-F5344CB8AC3E}">
         <p14:creationId xmlns:p14="http://schemas.microsoft.com/office/powerpoint/2010/main" val="1998539791"/>
+      </p:ext>
+    </p:extLst>
+  </p:cSld>
+  <p:clrMapOvr>
+    <a:masterClrMapping/>
+  </p:clrMapOvr>
+</p:sld>
+</file>
+
+<file path=ppt/slides/slide6.xml><?xml version="1.0" encoding="utf-8"?>
+<p:sld xmlns:a="http://schemas.openxmlformats.org/drawingml/2006/main" xmlns:r="http://schemas.openxmlformats.org/officeDocument/2006/relationships" xmlns:p="http://schemas.openxmlformats.org/presentationml/2006/main">
+  <p:cSld>
+    <p:spTree>
+      <p:nvGrpSpPr>
+        <p:cNvPr id="1" name=""/>
+        <p:cNvGrpSpPr/>
+        <p:nvPr/>
+      </p:nvGrpSpPr>
+      <p:grpSpPr>
+        <a:xfrm>
+          <a:off x="0" y="0"/>
+          <a:ext cx="0" cy="0"/>
+          <a:chOff x="0" y="0"/>
+          <a:chExt cx="0" cy="0"/>
+        </a:xfrm>
+      </p:grpSpPr>
+      <p:sp>
+        <p:nvSpPr>
+          <p:cNvPr id="2" name="Título 1"/>
+          <p:cNvSpPr>
+            <a:spLocks noGrp="1"/>
+          </p:cNvSpPr>
+          <p:nvPr>
+            <p:ph type="title"/>
+          </p:nvPr>
+        </p:nvSpPr>
+        <p:spPr/>
+        <p:txBody>
+          <a:bodyPr/>
+          <a:lstStyle/>
+          <a:p>
+            <a:r>
+              <a:rPr lang="pt-BR" dirty="0" err="1" smtClean="0"/>
+              <a:t>Requesitos</a:t>
+            </a:r>
+            <a:endParaRPr lang="pt-BR" dirty="0"/>
+          </a:p>
+        </p:txBody>
+      </p:sp>
+      <p:graphicFrame>
+        <p:nvGraphicFramePr>
+          <p:cNvPr id="4" name="Espaço Reservado para Conteúdo 3"/>
+          <p:cNvGraphicFramePr>
+            <a:graphicFrameLocks noGrp="1"/>
+          </p:cNvGraphicFramePr>
+          <p:nvPr>
+            <p:ph idx="1"/>
+            <p:extLst>
+              <p:ext uri="{D42A27DB-BD31-4B8C-83A1-F6EECF244321}">
+                <p14:modId xmlns:p14="http://schemas.microsoft.com/office/powerpoint/2010/main" val="207833606"/>
+              </p:ext>
+            </p:extLst>
+          </p:nvPr>
+        </p:nvGraphicFramePr>
+        <p:xfrm>
+          <a:off x="838200" y="1825625"/>
+          <a:ext cx="10515600" cy="741680"/>
+        </p:xfrm>
+        <a:graphic>
+          <a:graphicData uri="http://schemas.openxmlformats.org/drawingml/2006/table">
+            <a:tbl>
+              <a:tblPr firstRow="1" bandRow="1">
+                <a:tableStyleId>{00A15C55-8517-42AA-B614-E9B94910E393}</a:tableStyleId>
+              </a:tblPr>
+              <a:tblGrid>
+                <a:gridCol w="3505200">
+                  <a:extLst>
+                    <a:ext uri="{9D8B030D-6E8A-4147-A177-3AD203B41FA5}">
+                      <a16:colId xmlns:a16="http://schemas.microsoft.com/office/drawing/2014/main" val="1593114690"/>
+                    </a:ext>
+                  </a:extLst>
+                </a:gridCol>
+                <a:gridCol w="3505200">
+                  <a:extLst>
+                    <a:ext uri="{9D8B030D-6E8A-4147-A177-3AD203B41FA5}">
+                      <a16:colId xmlns:a16="http://schemas.microsoft.com/office/drawing/2014/main" val="1356194475"/>
+                    </a:ext>
+                  </a:extLst>
+                </a:gridCol>
+                <a:gridCol w="3505200">
+                  <a:extLst>
+                    <a:ext uri="{9D8B030D-6E8A-4147-A177-3AD203B41FA5}">
+                      <a16:colId xmlns:a16="http://schemas.microsoft.com/office/drawing/2014/main" val="20571102"/>
+                    </a:ext>
+                  </a:extLst>
+                </a:gridCol>
+              </a:tblGrid>
+              <a:tr h="370840">
+                <a:tc>
+                  <a:txBody>
+                    <a:bodyPr/>
+                    <a:lstStyle/>
+                    <a:p>
+                      <a:r>
+                        <a:rPr lang="pt-BR" dirty="0" smtClean="0"/>
+                        <a:t>ID</a:t>
+                      </a:r>
+                      <a:endParaRPr lang="pt-BR" dirty="0"/>
+                    </a:p>
+                  </a:txBody>
+                  <a:tcPr/>
+                </a:tc>
+                <a:tc>
+                  <a:txBody>
+                    <a:bodyPr/>
+                    <a:lstStyle/>
+                    <a:p>
+                      <a:r>
+                        <a:rPr lang="pt-BR" dirty="0" smtClean="0"/>
+                        <a:t>Descrição</a:t>
+                      </a:r>
+                      <a:r>
+                        <a:rPr lang="pt-BR" baseline="0" dirty="0" smtClean="0"/>
+                        <a:t> </a:t>
+                      </a:r>
+                      <a:endParaRPr lang="pt-BR" dirty="0"/>
+                    </a:p>
+                  </a:txBody>
+                  <a:tcPr/>
+                </a:tc>
+                <a:tc>
+                  <a:txBody>
+                    <a:bodyPr/>
+                    <a:lstStyle/>
+                    <a:p>
+                      <a:r>
+                        <a:rPr lang="pt-BR" dirty="0" smtClean="0"/>
+                        <a:t>Status/Versão</a:t>
+                      </a:r>
+                      <a:endParaRPr lang="pt-BR" dirty="0"/>
+                    </a:p>
+                  </a:txBody>
+                  <a:tcPr/>
+                </a:tc>
+                <a:extLst>
+                  <a:ext uri="{0D108BD9-81ED-4DB2-BD59-A6C34878D82A}">
+                    <a16:rowId xmlns:a16="http://schemas.microsoft.com/office/drawing/2014/main" val="2085770487"/>
+                  </a:ext>
+                </a:extLst>
+              </a:tr>
+              <a:tr h="370840">
+                <a:tc>
+                  <a:txBody>
+                    <a:bodyPr/>
+                    <a:lstStyle/>
+                    <a:p>
+                      <a:endParaRPr lang="pt-BR"/>
+                    </a:p>
+                  </a:txBody>
+                  <a:tcPr/>
+                </a:tc>
+                <a:tc>
+                  <a:txBody>
+                    <a:bodyPr/>
+                    <a:lstStyle/>
+                    <a:p>
+                      <a:endParaRPr lang="pt-BR"/>
+                    </a:p>
+                  </a:txBody>
+                  <a:tcPr/>
+                </a:tc>
+                <a:tc>
+                  <a:txBody>
+                    <a:bodyPr/>
+                    <a:lstStyle/>
+                    <a:p>
+                      <a:endParaRPr lang="pt-BR" dirty="0"/>
+                    </a:p>
+                  </a:txBody>
+                  <a:tcPr/>
+                </a:tc>
+                <a:extLst>
+                  <a:ext uri="{0D108BD9-81ED-4DB2-BD59-A6C34878D82A}">
+                    <a16:rowId xmlns:a16="http://schemas.microsoft.com/office/drawing/2014/main" val="300975912"/>
+                  </a:ext>
+                </a:extLst>
+              </a:tr>
+            </a:tbl>
+          </a:graphicData>
+        </a:graphic>
+      </p:graphicFrame>
+    </p:spTree>
+    <p:extLst>
+      <p:ext uri="{BB962C8B-B14F-4D97-AF65-F5344CB8AC3E}">
+        <p14:creationId xmlns:p14="http://schemas.microsoft.com/office/powerpoint/2010/main" val="3037916801"/>
+      </p:ext>
+    </p:extLst>
+  </p:cSld>
+  <p:clrMapOvr>
+    <a:masterClrMapping/>
+  </p:clrMapOvr>
+</p:sld>
+</file>
+
+<file path=ppt/slides/slide7.xml><?xml version="1.0" encoding="utf-8"?>
+<p:sld xmlns:a="http://schemas.openxmlformats.org/drawingml/2006/main" xmlns:r="http://schemas.openxmlformats.org/officeDocument/2006/relationships" xmlns:p="http://schemas.openxmlformats.org/presentationml/2006/main">
+  <p:cSld>
+    <p:spTree>
+      <p:nvGrpSpPr>
+        <p:cNvPr id="1" name=""/>
+        <p:cNvGrpSpPr/>
+        <p:nvPr/>
+      </p:nvGrpSpPr>
+      <p:grpSpPr>
+        <a:xfrm>
+          <a:off x="0" y="0"/>
+          <a:ext cx="0" cy="0"/>
+          <a:chOff x="0" y="0"/>
+          <a:chExt cx="0" cy="0"/>
+        </a:xfrm>
+      </p:grpSpPr>
+      <p:sp>
+        <p:nvSpPr>
+          <p:cNvPr id="2" name="Título 1"/>
+          <p:cNvSpPr>
+            <a:spLocks noGrp="1"/>
+          </p:cNvSpPr>
+          <p:nvPr>
+            <p:ph type="title"/>
+          </p:nvPr>
+        </p:nvSpPr>
+        <p:spPr>
+          <a:xfrm>
+            <a:off x="1018690" y="148520"/>
+            <a:ext cx="10515600" cy="1325563"/>
+          </a:xfrm>
+        </p:spPr>
+        <p:txBody>
+          <a:bodyPr/>
+          <a:lstStyle/>
+          <a:p>
+            <a:r>
+              <a:rPr lang="pt-BR" dirty="0" smtClean="0"/>
+              <a:t>Jornada do Cliente- Usuário(Leitura de </a:t>
+            </a:r>
+            <a:r>
+              <a:rPr lang="pt-BR" dirty="0" err="1" smtClean="0"/>
+              <a:t>Card</a:t>
+            </a:r>
+            <a:r>
+              <a:rPr lang="pt-BR" dirty="0" smtClean="0"/>
+              <a:t>)</a:t>
+            </a:r>
+            <a:endParaRPr lang="pt-BR" dirty="0"/>
+          </a:p>
+        </p:txBody>
+      </p:sp>
+      <p:sp>
+        <p:nvSpPr>
+          <p:cNvPr id="4" name="Retângulo Arredondado 3"/>
+          <p:cNvSpPr/>
+          <p:nvPr/>
+        </p:nvSpPr>
+        <p:spPr>
+          <a:xfrm>
+            <a:off x="94805" y="2512109"/>
+            <a:ext cx="920262" cy="334108"/>
+          </a:xfrm>
+          <a:prstGeom prst="roundRect">
+            <a:avLst/>
+          </a:prstGeom>
+          <a:noFill/>
+        </p:spPr>
+        <p:style>
+          <a:lnRef idx="2">
+            <a:schemeClr val="accent1">
+              <a:shade val="50000"/>
+            </a:schemeClr>
+          </a:lnRef>
+          <a:fillRef idx="1">
+            <a:schemeClr val="accent1"/>
+          </a:fillRef>
+          <a:effectRef idx="0">
+            <a:schemeClr val="accent1"/>
+          </a:effectRef>
+          <a:fontRef idx="minor">
+            <a:schemeClr val="lt1"/>
+          </a:fontRef>
+        </p:style>
+        <p:txBody>
+          <a:bodyPr rtlCol="0" anchor="ctr"/>
+          <a:lstStyle/>
+          <a:p>
+            <a:pPr algn="ctr"/>
+            <a:endParaRPr lang="pt-BR"/>
+          </a:p>
+        </p:txBody>
+      </p:sp>
+      <p:sp>
+        <p:nvSpPr>
+          <p:cNvPr id="5" name="CaixaDeTexto 4"/>
+          <p:cNvSpPr txBox="1"/>
+          <p:nvPr/>
+        </p:nvSpPr>
+        <p:spPr>
+          <a:xfrm>
+            <a:off x="214967" y="2512109"/>
+            <a:ext cx="888023" cy="369332"/>
+          </a:xfrm>
+          <a:prstGeom prst="rect">
+            <a:avLst/>
+          </a:prstGeom>
+          <a:noFill/>
+        </p:spPr>
+        <p:txBody>
+          <a:bodyPr wrap="square" rtlCol="0">
+            <a:spAutoFit/>
+          </a:bodyPr>
+          <a:lstStyle/>
+          <a:p>
+            <a:r>
+              <a:rPr lang="pt-BR" dirty="0" smtClean="0"/>
+              <a:t>Inicio</a:t>
+            </a:r>
+            <a:endParaRPr lang="pt-BR" dirty="0"/>
+          </a:p>
+        </p:txBody>
+      </p:sp>
+      <p:sp>
+        <p:nvSpPr>
+          <p:cNvPr id="6" name="Retângulo Arredondado 5"/>
+          <p:cNvSpPr/>
+          <p:nvPr/>
+        </p:nvSpPr>
+        <p:spPr>
+          <a:xfrm>
+            <a:off x="3193723" y="2375262"/>
+            <a:ext cx="1189893" cy="602647"/>
+          </a:xfrm>
+          <a:prstGeom prst="roundRect">
+            <a:avLst/>
+          </a:prstGeom>
+          <a:noFill/>
+        </p:spPr>
+        <p:style>
+          <a:lnRef idx="2">
+            <a:schemeClr val="accent1">
+              <a:shade val="50000"/>
+            </a:schemeClr>
+          </a:lnRef>
+          <a:fillRef idx="1">
+            <a:schemeClr val="accent1"/>
+          </a:fillRef>
+          <a:effectRef idx="0">
+            <a:schemeClr val="accent1"/>
+          </a:effectRef>
+          <a:fontRef idx="minor">
+            <a:schemeClr val="lt1"/>
+          </a:fontRef>
+        </p:style>
+        <p:txBody>
+          <a:bodyPr rtlCol="0" anchor="ctr"/>
+          <a:lstStyle/>
+          <a:p>
+            <a:pPr algn="ctr"/>
+            <a:endParaRPr lang="pt-BR"/>
+          </a:p>
+        </p:txBody>
+      </p:sp>
+      <p:sp>
+        <p:nvSpPr>
+          <p:cNvPr id="7" name="CaixaDeTexto 6"/>
+          <p:cNvSpPr txBox="1"/>
+          <p:nvPr/>
+        </p:nvSpPr>
+        <p:spPr>
+          <a:xfrm>
+            <a:off x="3224419" y="2479258"/>
+            <a:ext cx="1148208" cy="369332"/>
+          </a:xfrm>
+          <a:prstGeom prst="rect">
+            <a:avLst/>
+          </a:prstGeom>
+          <a:noFill/>
+        </p:spPr>
+        <p:txBody>
+          <a:bodyPr wrap="square" rtlCol="0">
+            <a:spAutoFit/>
+          </a:bodyPr>
+          <a:lstStyle/>
+          <a:p>
+            <a:r>
+              <a:rPr lang="pt-BR" dirty="0" smtClean="0"/>
+              <a:t>Tela Livros</a:t>
+            </a:r>
+            <a:endParaRPr lang="pt-BR" dirty="0"/>
+          </a:p>
+        </p:txBody>
+      </p:sp>
+      <p:sp>
+        <p:nvSpPr>
+          <p:cNvPr id="8" name="Retângulo Arredondado 7"/>
+          <p:cNvSpPr/>
+          <p:nvPr/>
+        </p:nvSpPr>
+        <p:spPr>
+          <a:xfrm>
+            <a:off x="5486398" y="2352232"/>
+            <a:ext cx="1348155" cy="598570"/>
+          </a:xfrm>
+          <a:prstGeom prst="roundRect">
+            <a:avLst/>
+          </a:prstGeom>
+          <a:noFill/>
+        </p:spPr>
+        <p:style>
+          <a:lnRef idx="2">
+            <a:schemeClr val="accent1">
+              <a:shade val="50000"/>
+            </a:schemeClr>
+          </a:lnRef>
+          <a:fillRef idx="1">
+            <a:schemeClr val="accent1"/>
+          </a:fillRef>
+          <a:effectRef idx="0">
+            <a:schemeClr val="accent1"/>
+          </a:effectRef>
+          <a:fontRef idx="minor">
+            <a:schemeClr val="lt1"/>
+          </a:fontRef>
+        </p:style>
+        <p:txBody>
+          <a:bodyPr rtlCol="0" anchor="ctr"/>
+          <a:lstStyle/>
+          <a:p>
+            <a:pPr algn="ctr"/>
+            <a:endParaRPr lang="pt-BR"/>
+          </a:p>
+        </p:txBody>
+      </p:sp>
+      <p:sp>
+        <p:nvSpPr>
+          <p:cNvPr id="9" name="CaixaDeTexto 8"/>
+          <p:cNvSpPr txBox="1"/>
+          <p:nvPr/>
+        </p:nvSpPr>
+        <p:spPr>
+          <a:xfrm>
+            <a:off x="5528083" y="2482631"/>
+            <a:ext cx="1268370" cy="369332"/>
+          </a:xfrm>
+          <a:prstGeom prst="rect">
+            <a:avLst/>
+          </a:prstGeom>
+          <a:noFill/>
+        </p:spPr>
+        <p:txBody>
+          <a:bodyPr wrap="square" rtlCol="0">
+            <a:spAutoFit/>
+          </a:bodyPr>
+          <a:lstStyle/>
+          <a:p>
+            <a:r>
+              <a:rPr lang="pt-BR" dirty="0" smtClean="0"/>
+              <a:t>Tela Livro</a:t>
+            </a:r>
+            <a:endParaRPr lang="pt-BR" dirty="0"/>
+          </a:p>
+        </p:txBody>
+      </p:sp>
+      <p:sp>
+        <p:nvSpPr>
+          <p:cNvPr id="10" name="Retângulo Arredondado 9"/>
+          <p:cNvSpPr/>
+          <p:nvPr/>
+        </p:nvSpPr>
+        <p:spPr>
+          <a:xfrm>
+            <a:off x="8607059" y="2319130"/>
+            <a:ext cx="1556239" cy="602647"/>
+          </a:xfrm>
+          <a:prstGeom prst="roundRect">
+            <a:avLst/>
+          </a:prstGeom>
+          <a:noFill/>
+        </p:spPr>
+        <p:style>
+          <a:lnRef idx="2">
+            <a:schemeClr val="accent1">
+              <a:shade val="50000"/>
+            </a:schemeClr>
+          </a:lnRef>
+          <a:fillRef idx="1">
+            <a:schemeClr val="accent1"/>
+          </a:fillRef>
+          <a:effectRef idx="0">
+            <a:schemeClr val="accent1"/>
+          </a:effectRef>
+          <a:fontRef idx="minor">
+            <a:schemeClr val="lt1"/>
+          </a:fontRef>
+        </p:style>
+        <p:txBody>
+          <a:bodyPr rtlCol="0" anchor="ctr"/>
+          <a:lstStyle/>
+          <a:p>
+            <a:pPr algn="ctr"/>
+            <a:endParaRPr lang="pt-BR"/>
+          </a:p>
+        </p:txBody>
+      </p:sp>
+      <p:sp>
+        <p:nvSpPr>
+          <p:cNvPr id="11" name="CaixaDeTexto 10"/>
+          <p:cNvSpPr txBox="1"/>
+          <p:nvPr/>
+        </p:nvSpPr>
+        <p:spPr>
+          <a:xfrm>
+            <a:off x="8648744" y="2435787"/>
+            <a:ext cx="1672816" cy="369332"/>
+          </a:xfrm>
+          <a:prstGeom prst="rect">
+            <a:avLst/>
+          </a:prstGeom>
+          <a:noFill/>
+        </p:spPr>
+        <p:txBody>
+          <a:bodyPr wrap="square" rtlCol="0">
+            <a:spAutoFit/>
+          </a:bodyPr>
+          <a:lstStyle/>
+          <a:p>
+            <a:r>
+              <a:rPr lang="pt-BR" dirty="0" smtClean="0"/>
+              <a:t>Próximo </a:t>
+            </a:r>
+            <a:r>
+              <a:rPr lang="pt-BR" dirty="0" err="1" smtClean="0"/>
+              <a:t>Card</a:t>
+            </a:r>
+            <a:endParaRPr lang="pt-BR" dirty="0"/>
+          </a:p>
+        </p:txBody>
+      </p:sp>
+      <p:sp>
+        <p:nvSpPr>
+          <p:cNvPr id="12" name="Retângulo Arredondado 11"/>
+          <p:cNvSpPr/>
+          <p:nvPr/>
+        </p:nvSpPr>
+        <p:spPr>
+          <a:xfrm>
+            <a:off x="10889519" y="2444428"/>
+            <a:ext cx="920262" cy="334108"/>
+          </a:xfrm>
+          <a:prstGeom prst="roundRect">
+            <a:avLst/>
+          </a:prstGeom>
+          <a:noFill/>
+        </p:spPr>
+        <p:style>
+          <a:lnRef idx="2">
+            <a:schemeClr val="accent1">
+              <a:shade val="50000"/>
+            </a:schemeClr>
+          </a:lnRef>
+          <a:fillRef idx="1">
+            <a:schemeClr val="accent1"/>
+          </a:fillRef>
+          <a:effectRef idx="0">
+            <a:schemeClr val="accent1"/>
+          </a:effectRef>
+          <a:fontRef idx="minor">
+            <a:schemeClr val="lt1"/>
+          </a:fontRef>
+        </p:style>
+        <p:txBody>
+          <a:bodyPr rtlCol="0" anchor="ctr"/>
+          <a:lstStyle/>
+          <a:p>
+            <a:pPr algn="ctr"/>
+            <a:endParaRPr lang="pt-BR"/>
+          </a:p>
+        </p:txBody>
+      </p:sp>
+      <p:sp>
+        <p:nvSpPr>
+          <p:cNvPr id="13" name="CaixaDeTexto 12"/>
+          <p:cNvSpPr txBox="1"/>
+          <p:nvPr/>
+        </p:nvSpPr>
+        <p:spPr>
+          <a:xfrm>
+            <a:off x="11047781" y="2426816"/>
+            <a:ext cx="888023" cy="369332"/>
+          </a:xfrm>
+          <a:prstGeom prst="rect">
+            <a:avLst/>
+          </a:prstGeom>
+          <a:noFill/>
+        </p:spPr>
+        <p:txBody>
+          <a:bodyPr wrap="square" rtlCol="0">
+            <a:spAutoFit/>
+          </a:bodyPr>
+          <a:lstStyle/>
+          <a:p>
+            <a:r>
+              <a:rPr lang="pt-BR" dirty="0" smtClean="0"/>
+              <a:t> Fim</a:t>
+            </a:r>
+            <a:endParaRPr lang="pt-BR" dirty="0"/>
+          </a:p>
+        </p:txBody>
+      </p:sp>
+      <p:sp>
+        <p:nvSpPr>
+          <p:cNvPr id="14" name="Retângulo Arredondado 13"/>
+          <p:cNvSpPr/>
+          <p:nvPr/>
+        </p:nvSpPr>
+        <p:spPr>
+          <a:xfrm>
+            <a:off x="3594507" y="4051717"/>
+            <a:ext cx="1556239" cy="602647"/>
+          </a:xfrm>
+          <a:prstGeom prst="roundRect">
+            <a:avLst/>
+          </a:prstGeom>
+          <a:noFill/>
+        </p:spPr>
+        <p:style>
+          <a:lnRef idx="2">
+            <a:schemeClr val="accent1">
+              <a:shade val="50000"/>
+            </a:schemeClr>
+          </a:lnRef>
+          <a:fillRef idx="1">
+            <a:schemeClr val="accent1"/>
+          </a:fillRef>
+          <a:effectRef idx="0">
+            <a:schemeClr val="accent1"/>
+          </a:effectRef>
+          <a:fontRef idx="minor">
+            <a:schemeClr val="lt1"/>
+          </a:fontRef>
+        </p:style>
+        <p:txBody>
+          <a:bodyPr rtlCol="0" anchor="ctr"/>
+          <a:lstStyle/>
+          <a:p>
+            <a:pPr algn="ctr"/>
+            <a:endParaRPr lang="pt-BR"/>
+          </a:p>
+        </p:txBody>
+      </p:sp>
+      <p:sp>
+        <p:nvSpPr>
+          <p:cNvPr id="15" name="CaixaDeTexto 14"/>
+          <p:cNvSpPr txBox="1"/>
+          <p:nvPr/>
+        </p:nvSpPr>
+        <p:spPr>
+          <a:xfrm>
+            <a:off x="3636192" y="4182117"/>
+            <a:ext cx="1672816" cy="369332"/>
+          </a:xfrm>
+          <a:prstGeom prst="rect">
+            <a:avLst/>
+          </a:prstGeom>
+          <a:noFill/>
+        </p:spPr>
+        <p:txBody>
+          <a:bodyPr wrap="square" rtlCol="0">
+            <a:spAutoFit/>
+          </a:bodyPr>
+          <a:lstStyle/>
+          <a:p>
+            <a:r>
+              <a:rPr lang="pt-BR" dirty="0" smtClean="0"/>
+              <a:t>    Capitulo</a:t>
+            </a:r>
+            <a:endParaRPr lang="pt-BR" dirty="0"/>
+          </a:p>
+        </p:txBody>
+      </p:sp>
+      <p:cxnSp>
+        <p:nvCxnSpPr>
+          <p:cNvPr id="19" name="Conector de Seta Reta 18"/>
+          <p:cNvCxnSpPr>
+            <a:endCxn id="6" idx="1"/>
+          </p:cNvCxnSpPr>
+          <p:nvPr/>
+        </p:nvCxnSpPr>
+        <p:spPr>
+          <a:xfrm flipV="1">
+            <a:off x="2667424" y="2676586"/>
+            <a:ext cx="526299" cy="13742"/>
+          </a:xfrm>
+          <a:prstGeom prst="straightConnector1">
+            <a:avLst/>
+          </a:prstGeom>
+          <a:ln>
+            <a:tailEnd type="triangle"/>
+          </a:ln>
+        </p:spPr>
+        <p:style>
+          <a:lnRef idx="1">
+            <a:schemeClr val="accent1"/>
+          </a:lnRef>
+          <a:fillRef idx="0">
+            <a:schemeClr val="accent1"/>
+          </a:fillRef>
+          <a:effectRef idx="0">
+            <a:schemeClr val="accent1"/>
+          </a:effectRef>
+          <a:fontRef idx="minor">
+            <a:schemeClr val="tx1"/>
+          </a:fontRef>
+        </p:style>
+      </p:cxnSp>
+      <p:cxnSp>
+        <p:nvCxnSpPr>
+          <p:cNvPr id="24" name="Conector de Seta Reta 23"/>
+          <p:cNvCxnSpPr>
+            <a:stCxn id="6" idx="3"/>
+            <a:endCxn id="8" idx="1"/>
+          </p:cNvCxnSpPr>
+          <p:nvPr/>
+        </p:nvCxnSpPr>
+        <p:spPr>
+          <a:xfrm flipV="1">
+            <a:off x="4383616" y="2651517"/>
+            <a:ext cx="1102782" cy="25069"/>
+          </a:xfrm>
+          <a:prstGeom prst="straightConnector1">
+            <a:avLst/>
+          </a:prstGeom>
+          <a:ln>
+            <a:tailEnd type="triangle"/>
+          </a:ln>
+        </p:spPr>
+        <p:style>
+          <a:lnRef idx="1">
+            <a:schemeClr val="accent1"/>
+          </a:lnRef>
+          <a:fillRef idx="0">
+            <a:schemeClr val="accent1"/>
+          </a:fillRef>
+          <a:effectRef idx="0">
+            <a:schemeClr val="accent1"/>
+          </a:effectRef>
+          <a:fontRef idx="minor">
+            <a:schemeClr val="tx1"/>
+          </a:fontRef>
+        </p:style>
+      </p:cxnSp>
+      <p:sp>
+        <p:nvSpPr>
+          <p:cNvPr id="27" name="Retângulo Arredondado 26"/>
+          <p:cNvSpPr/>
+          <p:nvPr/>
+        </p:nvSpPr>
+        <p:spPr>
+          <a:xfrm>
+            <a:off x="1746331" y="2479257"/>
+            <a:ext cx="921093" cy="435037"/>
+          </a:xfrm>
+          <a:prstGeom prst="roundRect">
+            <a:avLst/>
+          </a:prstGeom>
+          <a:noFill/>
+        </p:spPr>
+        <p:style>
+          <a:lnRef idx="2">
+            <a:schemeClr val="accent1">
+              <a:shade val="50000"/>
+            </a:schemeClr>
+          </a:lnRef>
+          <a:fillRef idx="1">
+            <a:schemeClr val="accent1"/>
+          </a:fillRef>
+          <a:effectRef idx="0">
+            <a:schemeClr val="accent1"/>
+          </a:effectRef>
+          <a:fontRef idx="minor">
+            <a:schemeClr val="lt1"/>
+          </a:fontRef>
+        </p:style>
+        <p:txBody>
+          <a:bodyPr rtlCol="0" anchor="ctr"/>
+          <a:lstStyle/>
+          <a:p>
+            <a:pPr algn="ctr"/>
+            <a:endParaRPr lang="pt-BR"/>
+          </a:p>
+        </p:txBody>
+      </p:sp>
+      <p:sp>
+        <p:nvSpPr>
+          <p:cNvPr id="28" name="CaixaDeTexto 27"/>
+          <p:cNvSpPr txBox="1"/>
+          <p:nvPr/>
+        </p:nvSpPr>
+        <p:spPr>
+          <a:xfrm>
+            <a:off x="1829211" y="2479258"/>
+            <a:ext cx="1001020" cy="369332"/>
+          </a:xfrm>
+          <a:prstGeom prst="rect">
+            <a:avLst/>
+          </a:prstGeom>
+          <a:noFill/>
+        </p:spPr>
+        <p:txBody>
+          <a:bodyPr wrap="square" rtlCol="0">
+            <a:spAutoFit/>
+          </a:bodyPr>
+          <a:lstStyle/>
+          <a:p>
+            <a:r>
+              <a:rPr lang="pt-BR" dirty="0" err="1" smtClean="0"/>
+              <a:t>Logar</a:t>
+            </a:r>
+            <a:endParaRPr lang="pt-BR" dirty="0"/>
+          </a:p>
+        </p:txBody>
+      </p:sp>
+      <p:cxnSp>
+        <p:nvCxnSpPr>
+          <p:cNvPr id="40" name="Conector de Seta Reta 39"/>
+          <p:cNvCxnSpPr>
+            <a:stCxn id="5" idx="3"/>
+            <a:endCxn id="27" idx="1"/>
+          </p:cNvCxnSpPr>
+          <p:nvPr/>
+        </p:nvCxnSpPr>
+        <p:spPr>
+          <a:xfrm>
+            <a:off x="1102990" y="2696775"/>
+            <a:ext cx="643341" cy="1"/>
+          </a:xfrm>
+          <a:prstGeom prst="straightConnector1">
+            <a:avLst/>
+          </a:prstGeom>
+          <a:ln>
+            <a:tailEnd type="triangle"/>
+          </a:ln>
+        </p:spPr>
+        <p:style>
+          <a:lnRef idx="1">
+            <a:schemeClr val="accent1"/>
+          </a:lnRef>
+          <a:fillRef idx="0">
+            <a:schemeClr val="accent1"/>
+          </a:fillRef>
+          <a:effectRef idx="0">
+            <a:schemeClr val="accent1"/>
+          </a:effectRef>
+          <a:fontRef idx="minor">
+            <a:schemeClr val="tx1"/>
+          </a:fontRef>
+        </p:style>
+      </p:cxnSp>
+      <p:sp>
+        <p:nvSpPr>
+          <p:cNvPr id="44" name="Retângulo Arredondado 43"/>
+          <p:cNvSpPr/>
+          <p:nvPr/>
+        </p:nvSpPr>
+        <p:spPr>
+          <a:xfrm>
+            <a:off x="7316282" y="2409042"/>
+            <a:ext cx="969352" cy="442758"/>
+          </a:xfrm>
+          <a:prstGeom prst="roundRect">
+            <a:avLst/>
+          </a:prstGeom>
+          <a:noFill/>
+        </p:spPr>
+        <p:style>
+          <a:lnRef idx="2">
+            <a:schemeClr val="accent1">
+              <a:shade val="50000"/>
+            </a:schemeClr>
+          </a:lnRef>
+          <a:fillRef idx="1">
+            <a:schemeClr val="accent1"/>
+          </a:fillRef>
+          <a:effectRef idx="0">
+            <a:schemeClr val="accent1"/>
+          </a:effectRef>
+          <a:fontRef idx="minor">
+            <a:schemeClr val="lt1"/>
+          </a:fontRef>
+        </p:style>
+        <p:txBody>
+          <a:bodyPr rtlCol="0" anchor="ctr"/>
+          <a:lstStyle/>
+          <a:p>
+            <a:pPr algn="ctr"/>
+            <a:endParaRPr lang="pt-BR"/>
+          </a:p>
+        </p:txBody>
+      </p:sp>
+      <p:sp>
+        <p:nvSpPr>
+          <p:cNvPr id="45" name="CaixaDeTexto 44"/>
+          <p:cNvSpPr txBox="1"/>
+          <p:nvPr/>
+        </p:nvSpPr>
+        <p:spPr>
+          <a:xfrm>
+            <a:off x="7372447" y="2445755"/>
+            <a:ext cx="895992" cy="369332"/>
+          </a:xfrm>
+          <a:prstGeom prst="rect">
+            <a:avLst/>
+          </a:prstGeom>
+          <a:noFill/>
+        </p:spPr>
+        <p:txBody>
+          <a:bodyPr wrap="square" rtlCol="0">
+            <a:spAutoFit/>
+          </a:bodyPr>
+          <a:lstStyle/>
+          <a:p>
+            <a:r>
+              <a:rPr lang="pt-BR" dirty="0" smtClean="0"/>
+              <a:t>  </a:t>
+            </a:r>
+            <a:r>
+              <a:rPr lang="pt-BR" dirty="0" err="1" smtClean="0"/>
+              <a:t>Card</a:t>
+            </a:r>
+            <a:endParaRPr lang="pt-BR" dirty="0"/>
+          </a:p>
+        </p:txBody>
+      </p:sp>
+      <p:sp>
+        <p:nvSpPr>
+          <p:cNvPr id="46" name="Retângulo Arredondado 45"/>
+          <p:cNvSpPr/>
+          <p:nvPr/>
+        </p:nvSpPr>
+        <p:spPr>
+          <a:xfrm>
+            <a:off x="5609387" y="4051717"/>
+            <a:ext cx="1225166" cy="602647"/>
+          </a:xfrm>
+          <a:prstGeom prst="roundRect">
+            <a:avLst/>
+          </a:prstGeom>
+          <a:noFill/>
+        </p:spPr>
+        <p:style>
+          <a:lnRef idx="2">
+            <a:schemeClr val="accent1">
+              <a:shade val="50000"/>
+            </a:schemeClr>
+          </a:lnRef>
+          <a:fillRef idx="1">
+            <a:schemeClr val="accent1"/>
+          </a:fillRef>
+          <a:effectRef idx="0">
+            <a:schemeClr val="accent1"/>
+          </a:effectRef>
+          <a:fontRef idx="minor">
+            <a:schemeClr val="lt1"/>
+          </a:fontRef>
+        </p:style>
+        <p:txBody>
+          <a:bodyPr rtlCol="0" anchor="ctr"/>
+          <a:lstStyle/>
+          <a:p>
+            <a:pPr algn="ctr"/>
+            <a:endParaRPr lang="pt-BR"/>
+          </a:p>
+        </p:txBody>
+      </p:sp>
+      <p:sp>
+        <p:nvSpPr>
+          <p:cNvPr id="47" name="CaixaDeTexto 46"/>
+          <p:cNvSpPr txBox="1"/>
+          <p:nvPr/>
+        </p:nvSpPr>
+        <p:spPr>
+          <a:xfrm>
+            <a:off x="5767649" y="4168374"/>
+            <a:ext cx="1017037" cy="369332"/>
+          </a:xfrm>
+          <a:prstGeom prst="rect">
+            <a:avLst/>
+          </a:prstGeom>
+          <a:noFill/>
+        </p:spPr>
+        <p:txBody>
+          <a:bodyPr wrap="square" rtlCol="0">
+            <a:spAutoFit/>
+          </a:bodyPr>
+          <a:lstStyle/>
+          <a:p>
+            <a:r>
+              <a:rPr lang="pt-BR" dirty="0" smtClean="0"/>
+              <a:t>    Lista</a:t>
+            </a:r>
+            <a:endParaRPr lang="pt-BR" dirty="0"/>
+          </a:p>
+        </p:txBody>
+      </p:sp>
+      <p:sp>
+        <p:nvSpPr>
+          <p:cNvPr id="55" name="Retângulo Arredondado 54"/>
+          <p:cNvSpPr/>
+          <p:nvPr/>
+        </p:nvSpPr>
+        <p:spPr>
+          <a:xfrm>
+            <a:off x="7091423" y="1074100"/>
+            <a:ext cx="1556239" cy="602647"/>
+          </a:xfrm>
+          <a:prstGeom prst="roundRect">
+            <a:avLst/>
+          </a:prstGeom>
+          <a:noFill/>
+        </p:spPr>
+        <p:style>
+          <a:lnRef idx="2">
+            <a:schemeClr val="accent1">
+              <a:shade val="50000"/>
+            </a:schemeClr>
+          </a:lnRef>
+          <a:fillRef idx="1">
+            <a:schemeClr val="accent1"/>
+          </a:fillRef>
+          <a:effectRef idx="0">
+            <a:schemeClr val="accent1"/>
+          </a:effectRef>
+          <a:fontRef idx="minor">
+            <a:schemeClr val="lt1"/>
+          </a:fontRef>
+        </p:style>
+        <p:txBody>
+          <a:bodyPr rtlCol="0" anchor="ctr"/>
+          <a:lstStyle/>
+          <a:p>
+            <a:pPr algn="ctr"/>
+            <a:endParaRPr lang="pt-BR"/>
+          </a:p>
+        </p:txBody>
+      </p:sp>
+      <p:sp>
+        <p:nvSpPr>
+          <p:cNvPr id="56" name="CaixaDeTexto 55"/>
+          <p:cNvSpPr txBox="1"/>
+          <p:nvPr/>
+        </p:nvSpPr>
+        <p:spPr>
+          <a:xfrm>
+            <a:off x="6944073" y="1074100"/>
+            <a:ext cx="1734361" cy="646331"/>
+          </a:xfrm>
+          <a:prstGeom prst="rect">
+            <a:avLst/>
+          </a:prstGeom>
+          <a:noFill/>
+        </p:spPr>
+        <p:txBody>
+          <a:bodyPr wrap="square" rtlCol="0">
+            <a:spAutoFit/>
+          </a:bodyPr>
+          <a:lstStyle/>
+          <a:p>
+            <a:pPr algn="ctr"/>
+            <a:r>
+              <a:rPr lang="pt-BR" dirty="0" smtClean="0"/>
+              <a:t>    Palavra Destaque</a:t>
+            </a:r>
+            <a:endParaRPr lang="pt-BR" dirty="0"/>
+          </a:p>
+        </p:txBody>
+      </p:sp>
+      <p:cxnSp>
+        <p:nvCxnSpPr>
+          <p:cNvPr id="58" name="Conector de Seta Reta 57"/>
+          <p:cNvCxnSpPr>
+            <a:stCxn id="56" idx="2"/>
+            <a:endCxn id="45" idx="0"/>
+          </p:cNvCxnSpPr>
+          <p:nvPr/>
+        </p:nvCxnSpPr>
+        <p:spPr>
+          <a:xfrm>
+            <a:off x="7811254" y="1720431"/>
+            <a:ext cx="9189" cy="725324"/>
+          </a:xfrm>
+          <a:prstGeom prst="straightConnector1">
+            <a:avLst/>
+          </a:prstGeom>
+          <a:ln>
+            <a:tailEnd type="triangle"/>
+          </a:ln>
+        </p:spPr>
+        <p:style>
+          <a:lnRef idx="1">
+            <a:schemeClr val="accent1"/>
+          </a:lnRef>
+          <a:fillRef idx="0">
+            <a:schemeClr val="accent1"/>
+          </a:fillRef>
+          <a:effectRef idx="0">
+            <a:schemeClr val="accent1"/>
+          </a:effectRef>
+          <a:fontRef idx="minor">
+            <a:schemeClr val="tx1"/>
+          </a:fontRef>
+        </p:style>
+      </p:cxnSp>
+      <p:cxnSp>
+        <p:nvCxnSpPr>
+          <p:cNvPr id="60" name="Conector de Seta Reta 59"/>
+          <p:cNvCxnSpPr>
+            <a:endCxn id="12" idx="1"/>
+          </p:cNvCxnSpPr>
+          <p:nvPr/>
+        </p:nvCxnSpPr>
+        <p:spPr>
+          <a:xfrm flipV="1">
+            <a:off x="10163298" y="2611482"/>
+            <a:ext cx="726221" cy="40035"/>
+          </a:xfrm>
+          <a:prstGeom prst="straightConnector1">
+            <a:avLst/>
+          </a:prstGeom>
+          <a:ln>
+            <a:tailEnd type="triangle"/>
+          </a:ln>
+        </p:spPr>
+        <p:style>
+          <a:lnRef idx="1">
+            <a:schemeClr val="accent1"/>
+          </a:lnRef>
+          <a:fillRef idx="0">
+            <a:schemeClr val="accent1"/>
+          </a:fillRef>
+          <a:effectRef idx="0">
+            <a:schemeClr val="accent1"/>
+          </a:effectRef>
+          <a:fontRef idx="minor">
+            <a:schemeClr val="tx1"/>
+          </a:fontRef>
+        </p:style>
+      </p:cxnSp>
+      <p:cxnSp>
+        <p:nvCxnSpPr>
+          <p:cNvPr id="62" name="Conector de Seta Reta 61"/>
+          <p:cNvCxnSpPr>
+            <a:stCxn id="45" idx="3"/>
+            <a:endCxn id="10" idx="1"/>
+          </p:cNvCxnSpPr>
+          <p:nvPr/>
+        </p:nvCxnSpPr>
+        <p:spPr>
+          <a:xfrm flipV="1">
+            <a:off x="8268439" y="2620454"/>
+            <a:ext cx="338620" cy="9967"/>
+          </a:xfrm>
+          <a:prstGeom prst="straightConnector1">
+            <a:avLst/>
+          </a:prstGeom>
+          <a:ln>
+            <a:tailEnd type="triangle"/>
+          </a:ln>
+        </p:spPr>
+        <p:style>
+          <a:lnRef idx="1">
+            <a:schemeClr val="accent1"/>
+          </a:lnRef>
+          <a:fillRef idx="0">
+            <a:schemeClr val="accent1"/>
+          </a:fillRef>
+          <a:effectRef idx="0">
+            <a:schemeClr val="accent1"/>
+          </a:effectRef>
+          <a:fontRef idx="minor">
+            <a:schemeClr val="tx1"/>
+          </a:fontRef>
+        </p:style>
+      </p:cxnSp>
+      <p:cxnSp>
+        <p:nvCxnSpPr>
+          <p:cNvPr id="64" name="Conector de Seta Reta 63"/>
+          <p:cNvCxnSpPr>
+            <a:stCxn id="8" idx="3"/>
+            <a:endCxn id="45" idx="1"/>
+          </p:cNvCxnSpPr>
+          <p:nvPr/>
+        </p:nvCxnSpPr>
+        <p:spPr>
+          <a:xfrm flipV="1">
+            <a:off x="6834553" y="2630421"/>
+            <a:ext cx="537894" cy="21096"/>
+          </a:xfrm>
+          <a:prstGeom prst="straightConnector1">
+            <a:avLst/>
+          </a:prstGeom>
+          <a:ln>
+            <a:tailEnd type="triangle"/>
+          </a:ln>
+        </p:spPr>
+        <p:style>
+          <a:lnRef idx="1">
+            <a:schemeClr val="accent1"/>
+          </a:lnRef>
+          <a:fillRef idx="0">
+            <a:schemeClr val="accent1"/>
+          </a:fillRef>
+          <a:effectRef idx="0">
+            <a:schemeClr val="accent1"/>
+          </a:effectRef>
+          <a:fontRef idx="minor">
+            <a:schemeClr val="tx1"/>
+          </a:fontRef>
+        </p:style>
+      </p:cxnSp>
+      <p:cxnSp>
+        <p:nvCxnSpPr>
+          <p:cNvPr id="70" name="Conector de Seta Reta 69"/>
+          <p:cNvCxnSpPr>
+            <a:stCxn id="8" idx="2"/>
+            <a:endCxn id="46" idx="0"/>
+          </p:cNvCxnSpPr>
+          <p:nvPr/>
+        </p:nvCxnSpPr>
+        <p:spPr>
+          <a:xfrm>
+            <a:off x="6160476" y="2950802"/>
+            <a:ext cx="61494" cy="1100915"/>
+          </a:xfrm>
+          <a:prstGeom prst="straightConnector1">
+            <a:avLst/>
+          </a:prstGeom>
+          <a:ln>
+            <a:tailEnd type="triangle"/>
+          </a:ln>
+        </p:spPr>
+        <p:style>
+          <a:lnRef idx="1">
+            <a:schemeClr val="accent1"/>
+          </a:lnRef>
+          <a:fillRef idx="0">
+            <a:schemeClr val="accent1"/>
+          </a:fillRef>
+          <a:effectRef idx="0">
+            <a:schemeClr val="accent1"/>
+          </a:effectRef>
+          <a:fontRef idx="minor">
+            <a:schemeClr val="tx1"/>
+          </a:fontRef>
+        </p:style>
+      </p:cxnSp>
+      <p:cxnSp>
+        <p:nvCxnSpPr>
+          <p:cNvPr id="74" name="Conector Angulado 73"/>
+          <p:cNvCxnSpPr>
+            <a:endCxn id="14" idx="0"/>
+          </p:cNvCxnSpPr>
+          <p:nvPr/>
+        </p:nvCxnSpPr>
+        <p:spPr>
+          <a:xfrm rot="10800000" flipV="1">
+            <a:off x="4372628" y="3569677"/>
+            <a:ext cx="1849343" cy="482040"/>
+          </a:xfrm>
+          <a:prstGeom prst="bentConnector2">
+            <a:avLst/>
+          </a:prstGeom>
+          <a:ln>
+            <a:tailEnd type="triangle"/>
+          </a:ln>
+        </p:spPr>
+        <p:style>
+          <a:lnRef idx="1">
+            <a:schemeClr val="accent1"/>
+          </a:lnRef>
+          <a:fillRef idx="0">
+            <a:schemeClr val="accent1"/>
+          </a:fillRef>
+          <a:effectRef idx="0">
+            <a:schemeClr val="accent1"/>
+          </a:effectRef>
+          <a:fontRef idx="minor">
+            <a:schemeClr val="tx1"/>
+          </a:fontRef>
+        </p:style>
+      </p:cxnSp>
+      <p:cxnSp>
+        <p:nvCxnSpPr>
+          <p:cNvPr id="76" name="Conector Angulado 75"/>
+          <p:cNvCxnSpPr>
+            <a:stCxn id="45" idx="2"/>
+            <a:endCxn id="14" idx="2"/>
+          </p:cNvCxnSpPr>
+          <p:nvPr/>
+        </p:nvCxnSpPr>
+        <p:spPr>
+          <a:xfrm rot="5400000">
+            <a:off x="5176897" y="2010817"/>
+            <a:ext cx="1839277" cy="3447816"/>
+          </a:xfrm>
+          <a:prstGeom prst="bentConnector3">
+            <a:avLst>
+              <a:gd name="adj1" fmla="val 133462"/>
+            </a:avLst>
+          </a:prstGeom>
+          <a:ln>
+            <a:tailEnd type="triangle"/>
+          </a:ln>
+        </p:spPr>
+        <p:style>
+          <a:lnRef idx="1">
+            <a:schemeClr val="accent1"/>
+          </a:lnRef>
+          <a:fillRef idx="0">
+            <a:schemeClr val="accent1"/>
+          </a:fillRef>
+          <a:effectRef idx="0">
+            <a:schemeClr val="accent1"/>
+          </a:effectRef>
+          <a:fontRef idx="minor">
+            <a:schemeClr val="tx1"/>
+          </a:fontRef>
+        </p:style>
+      </p:cxnSp>
+      <p:cxnSp>
+        <p:nvCxnSpPr>
+          <p:cNvPr id="79" name="Conector de Seta Reta 78"/>
+          <p:cNvCxnSpPr>
+            <a:stCxn id="46" idx="2"/>
+          </p:cNvCxnSpPr>
+          <p:nvPr/>
+        </p:nvCxnSpPr>
+        <p:spPr>
+          <a:xfrm>
+            <a:off x="6221970" y="4654364"/>
+            <a:ext cx="0" cy="621021"/>
+          </a:xfrm>
+          <a:prstGeom prst="straightConnector1">
+            <a:avLst/>
+          </a:prstGeom>
+          <a:ln>
+            <a:tailEnd type="triangle"/>
+          </a:ln>
+        </p:spPr>
+        <p:style>
+          <a:lnRef idx="1">
+            <a:schemeClr val="accent1"/>
+          </a:lnRef>
+          <a:fillRef idx="0">
+            <a:schemeClr val="accent1"/>
+          </a:fillRef>
+          <a:effectRef idx="0">
+            <a:schemeClr val="accent1"/>
+          </a:effectRef>
+          <a:fontRef idx="minor">
+            <a:schemeClr val="tx1"/>
+          </a:fontRef>
+        </p:style>
+      </p:cxnSp>
+    </p:spTree>
+    <p:extLst>
+      <p:ext uri="{BB962C8B-B14F-4D97-AF65-F5344CB8AC3E}">
+        <p14:creationId xmlns:p14="http://schemas.microsoft.com/office/powerpoint/2010/main" val="183814826"/>
+      </p:ext>
+    </p:extLst>
+  </p:cSld>
+  <p:clrMapOvr>
+    <a:masterClrMapping/>
+  </p:clrMapOvr>
+</p:sld>
+</file>
+
+<file path=ppt/slides/slide8.xml><?xml version="1.0" encoding="utf-8"?>
+<p:sld xmlns:a="http://schemas.openxmlformats.org/drawingml/2006/main" xmlns:r="http://schemas.openxmlformats.org/officeDocument/2006/relationships" xmlns:p="http://schemas.openxmlformats.org/presentationml/2006/main">
+  <p:cSld>
+    <p:spTree>
+      <p:nvGrpSpPr>
+        <p:cNvPr id="1" name=""/>
+        <p:cNvGrpSpPr/>
+        <p:nvPr/>
+      </p:nvGrpSpPr>
+      <p:grpSpPr>
+        <a:xfrm>
+          <a:off x="0" y="0"/>
+          <a:ext cx="0" cy="0"/>
+          <a:chOff x="0" y="0"/>
+          <a:chExt cx="0" cy="0"/>
+        </a:xfrm>
+      </p:grpSpPr>
+      <p:sp>
+        <p:nvSpPr>
+          <p:cNvPr id="2" name="Título 1"/>
+          <p:cNvSpPr>
+            <a:spLocks noGrp="1"/>
+          </p:cNvSpPr>
+          <p:nvPr>
+            <p:ph type="title"/>
+          </p:nvPr>
+        </p:nvSpPr>
+        <p:spPr>
+          <a:xfrm>
+            <a:off x="838200" y="365126"/>
+            <a:ext cx="10515600" cy="733968"/>
+          </a:xfrm>
+        </p:spPr>
+        <p:txBody>
+          <a:bodyPr/>
+          <a:lstStyle/>
+          <a:p>
+            <a:r>
+              <a:rPr lang="pt-BR" dirty="0" err="1" smtClean="0"/>
+              <a:t>Logar</a:t>
+            </a:r>
+            <a:endParaRPr lang="pt-BR" dirty="0"/>
+          </a:p>
+        </p:txBody>
+      </p:sp>
+      <p:sp>
+        <p:nvSpPr>
+          <p:cNvPr id="4" name="Elipse 3"/>
+          <p:cNvSpPr/>
+          <p:nvPr/>
+        </p:nvSpPr>
+        <p:spPr>
+          <a:xfrm>
+            <a:off x="5161085" y="2697163"/>
+            <a:ext cx="1011116" cy="923193"/>
+          </a:xfrm>
+          <a:prstGeom prst="ellipse">
+            <a:avLst/>
+          </a:prstGeom>
+        </p:spPr>
+        <p:style>
+          <a:lnRef idx="2">
+            <a:schemeClr val="dk1">
+              <a:shade val="50000"/>
+            </a:schemeClr>
+          </a:lnRef>
+          <a:fillRef idx="1">
+            <a:schemeClr val="dk1"/>
+          </a:fillRef>
+          <a:effectRef idx="0">
+            <a:schemeClr val="dk1"/>
+          </a:effectRef>
+          <a:fontRef idx="minor">
+            <a:schemeClr val="lt1"/>
+          </a:fontRef>
+        </p:style>
+        <p:txBody>
+          <a:bodyPr rtlCol="0" anchor="ctr"/>
+          <a:lstStyle/>
+          <a:p>
+            <a:pPr algn="ctr"/>
+            <a:endParaRPr lang="pt-BR"/>
+          </a:p>
+        </p:txBody>
+      </p:sp>
+      <p:sp>
+        <p:nvSpPr>
+          <p:cNvPr id="5" name="CaixaDeTexto 4"/>
+          <p:cNvSpPr txBox="1"/>
+          <p:nvPr/>
+        </p:nvSpPr>
+        <p:spPr>
+          <a:xfrm>
+            <a:off x="5372101" y="2978517"/>
+            <a:ext cx="800100" cy="369332"/>
+          </a:xfrm>
+          <a:prstGeom prst="rect">
+            <a:avLst/>
+          </a:prstGeom>
+          <a:noFill/>
+        </p:spPr>
+        <p:txBody>
+          <a:bodyPr wrap="square" rtlCol="0">
+            <a:spAutoFit/>
+          </a:bodyPr>
+          <a:lstStyle/>
+          <a:p>
+            <a:r>
+              <a:rPr lang="pt-BR" dirty="0" smtClean="0">
+                <a:solidFill>
+                  <a:schemeClr val="bg1"/>
+                </a:solidFill>
+              </a:rPr>
+              <a:t>Logo</a:t>
+            </a:r>
+            <a:endParaRPr lang="pt-BR" dirty="0">
+              <a:solidFill>
+                <a:schemeClr val="bg1"/>
+              </a:solidFill>
+            </a:endParaRPr>
+          </a:p>
+        </p:txBody>
+      </p:sp>
+      <p:sp>
+        <p:nvSpPr>
+          <p:cNvPr id="6" name="Retângulo 5"/>
+          <p:cNvSpPr/>
+          <p:nvPr/>
+        </p:nvSpPr>
+        <p:spPr>
+          <a:xfrm>
+            <a:off x="703385" y="1371600"/>
+            <a:ext cx="10418884" cy="5240215"/>
+          </a:xfrm>
+          <a:prstGeom prst="rect">
+            <a:avLst/>
+          </a:prstGeom>
+          <a:noFill/>
+          <a:ln>
+            <a:solidFill>
+              <a:schemeClr val="accent2"/>
+            </a:solidFill>
+          </a:ln>
+        </p:spPr>
+        <p:style>
+          <a:lnRef idx="2">
+            <a:schemeClr val="accent1">
+              <a:shade val="50000"/>
+            </a:schemeClr>
+          </a:lnRef>
+          <a:fillRef idx="1">
+            <a:schemeClr val="accent1"/>
+          </a:fillRef>
+          <a:effectRef idx="0">
+            <a:schemeClr val="accent1"/>
+          </a:effectRef>
+          <a:fontRef idx="minor">
+            <a:schemeClr val="lt1"/>
+          </a:fontRef>
+        </p:style>
+        <p:txBody>
+          <a:bodyPr rtlCol="0" anchor="ctr"/>
+          <a:lstStyle/>
+          <a:p>
+            <a:pPr algn="ctr"/>
+            <a:endParaRPr lang="pt-BR"/>
+          </a:p>
+        </p:txBody>
+      </p:sp>
+    </p:spTree>
+    <p:extLst>
+      <p:ext uri="{BB962C8B-B14F-4D97-AF65-F5344CB8AC3E}">
+        <p14:creationId xmlns:p14="http://schemas.microsoft.com/office/powerpoint/2010/main" val="2073069222"/>
+      </p:ext>
+    </p:extLst>
+  </p:cSld>
+  <p:clrMapOvr>
+    <a:masterClrMapping/>
+  </p:clrMapOvr>
+</p:sld>
+</file>
+
+<file path=ppt/slides/slide9.xml><?xml version="1.0" encoding="utf-8"?>
+<p:sld xmlns:a="http://schemas.openxmlformats.org/drawingml/2006/main" xmlns:r="http://schemas.openxmlformats.org/officeDocument/2006/relationships" xmlns:p="http://schemas.openxmlformats.org/presentationml/2006/main">
+  <p:cSld>
+    <p:spTree>
+      <p:nvGrpSpPr>
+        <p:cNvPr id="1" name=""/>
+        <p:cNvGrpSpPr/>
+        <p:nvPr/>
+      </p:nvGrpSpPr>
+      <p:grpSpPr>
+        <a:xfrm>
+          <a:off x="0" y="0"/>
+          <a:ext cx="0" cy="0"/>
+          <a:chOff x="0" y="0"/>
+          <a:chExt cx="0" cy="0"/>
+        </a:xfrm>
+      </p:grpSpPr>
+      <p:sp>
+        <p:nvSpPr>
+          <p:cNvPr id="2" name="Título 1"/>
+          <p:cNvSpPr>
+            <a:spLocks noGrp="1"/>
+          </p:cNvSpPr>
+          <p:nvPr>
+            <p:ph type="title"/>
+          </p:nvPr>
+        </p:nvSpPr>
+        <p:spPr>
+          <a:xfrm>
+            <a:off x="838200" y="365126"/>
+            <a:ext cx="10515600" cy="733968"/>
+          </a:xfrm>
+        </p:spPr>
+        <p:txBody>
+          <a:bodyPr/>
+          <a:lstStyle/>
+          <a:p>
+            <a:r>
+              <a:rPr lang="pt-BR" dirty="0" err="1" smtClean="0"/>
+              <a:t>Logar</a:t>
+            </a:r>
+            <a:endParaRPr lang="pt-BR" dirty="0"/>
+          </a:p>
+        </p:txBody>
+      </p:sp>
+      <p:sp>
+        <p:nvSpPr>
+          <p:cNvPr id="4" name="Elipse 3"/>
+          <p:cNvSpPr/>
+          <p:nvPr/>
+        </p:nvSpPr>
+        <p:spPr>
+          <a:xfrm>
+            <a:off x="9047285" y="3901710"/>
+            <a:ext cx="1011116" cy="923193"/>
+          </a:xfrm>
+          <a:prstGeom prst="ellipse">
+            <a:avLst/>
+          </a:prstGeom>
+        </p:spPr>
+        <p:style>
+          <a:lnRef idx="2">
+            <a:schemeClr val="dk1">
+              <a:shade val="50000"/>
+            </a:schemeClr>
+          </a:lnRef>
+          <a:fillRef idx="1">
+            <a:schemeClr val="dk1"/>
+          </a:fillRef>
+          <a:effectRef idx="0">
+            <a:schemeClr val="dk1"/>
+          </a:effectRef>
+          <a:fontRef idx="minor">
+            <a:schemeClr val="lt1"/>
+          </a:fontRef>
+        </p:style>
+        <p:txBody>
+          <a:bodyPr rtlCol="0" anchor="ctr"/>
+          <a:lstStyle/>
+          <a:p>
+            <a:pPr algn="ctr"/>
+            <a:endParaRPr lang="pt-BR"/>
+          </a:p>
+        </p:txBody>
+      </p:sp>
+      <p:sp>
+        <p:nvSpPr>
+          <p:cNvPr id="5" name="CaixaDeTexto 4"/>
+          <p:cNvSpPr txBox="1"/>
+          <p:nvPr/>
+        </p:nvSpPr>
+        <p:spPr>
+          <a:xfrm>
+            <a:off x="9412166" y="4132473"/>
+            <a:ext cx="448407" cy="461665"/>
+          </a:xfrm>
+          <a:prstGeom prst="rect">
+            <a:avLst/>
+          </a:prstGeom>
+          <a:noFill/>
+        </p:spPr>
+        <p:txBody>
+          <a:bodyPr wrap="square" rtlCol="0">
+            <a:spAutoFit/>
+          </a:bodyPr>
+          <a:lstStyle/>
+          <a:p>
+            <a:r>
+              <a:rPr lang="pt-BR" sz="2400" dirty="0">
+                <a:solidFill>
+                  <a:schemeClr val="bg1"/>
+                </a:solidFill>
+              </a:rPr>
+              <a:t>R</a:t>
+            </a:r>
+          </a:p>
+        </p:txBody>
+      </p:sp>
+      <p:sp>
+        <p:nvSpPr>
+          <p:cNvPr id="6" name="Retângulo 5"/>
+          <p:cNvSpPr/>
+          <p:nvPr/>
+        </p:nvSpPr>
+        <p:spPr>
+          <a:xfrm>
+            <a:off x="764931" y="1186962"/>
+            <a:ext cx="10418884" cy="5240215"/>
+          </a:xfrm>
+          <a:prstGeom prst="rect">
+            <a:avLst/>
+          </a:prstGeom>
+        </p:spPr>
+        <p:style>
+          <a:lnRef idx="2">
+            <a:schemeClr val="accent2"/>
+          </a:lnRef>
+          <a:fillRef idx="1">
+            <a:schemeClr val="lt1"/>
+          </a:fillRef>
+          <a:effectRef idx="0">
+            <a:schemeClr val="accent2"/>
+          </a:effectRef>
+          <a:fontRef idx="minor">
+            <a:schemeClr val="dk1"/>
+          </a:fontRef>
+        </p:style>
+        <p:txBody>
+          <a:bodyPr rtlCol="0" anchor="ctr"/>
+          <a:lstStyle/>
+          <a:p>
+            <a:pPr algn="ctr"/>
+            <a:endParaRPr lang="pt-BR"/>
+          </a:p>
+        </p:txBody>
+      </p:sp>
+      <p:cxnSp>
+        <p:nvCxnSpPr>
+          <p:cNvPr id="7" name="Conector reto 6"/>
+          <p:cNvCxnSpPr/>
+          <p:nvPr/>
+        </p:nvCxnSpPr>
+        <p:spPr>
+          <a:xfrm flipV="1">
+            <a:off x="764931" y="1872765"/>
+            <a:ext cx="10418884" cy="18401"/>
+          </a:xfrm>
+          <a:prstGeom prst="line">
+            <a:avLst/>
+          </a:prstGeom>
+        </p:spPr>
+        <p:style>
+          <a:lnRef idx="1">
+            <a:schemeClr val="accent2"/>
+          </a:lnRef>
+          <a:fillRef idx="0">
+            <a:schemeClr val="accent2"/>
+          </a:fillRef>
+          <a:effectRef idx="0">
+            <a:schemeClr val="accent2"/>
+          </a:effectRef>
+          <a:fontRef idx="minor">
+            <a:schemeClr val="tx1"/>
+          </a:fontRef>
+        </p:style>
+      </p:cxnSp>
+    </p:spTree>
+    <p:extLst>
+      <p:ext uri="{BB962C8B-B14F-4D97-AF65-F5344CB8AC3E}">
+        <p14:creationId xmlns:p14="http://schemas.microsoft.com/office/powerpoint/2010/main" val="2723203607"/>
       </p:ext>
     </p:extLst>
   </p:cSld>
@@ -6433,4 +8628,265 @@
     </a:ext>
   </a:extLst>
 </a:theme>
+</file>
+
+<file path=ppt/theme/theme2.xml><?xml version="1.0" encoding="utf-8"?>
+<a:theme xmlns:a="http://schemas.openxmlformats.org/drawingml/2006/main" name="Tema do Office">
+  <a:themeElements>
+    <a:clrScheme name="Office">
+      <a:dk1>
+        <a:sysClr val="windowText" lastClr="000000"/>
+      </a:dk1>
+      <a:lt1>
+        <a:sysClr val="window" lastClr="FFFFFF"/>
+      </a:lt1>
+      <a:dk2>
+        <a:srgbClr val="44546A"/>
+      </a:dk2>
+      <a:lt2>
+        <a:srgbClr val="E7E6E6"/>
+      </a:lt2>
+      <a:accent1>
+        <a:srgbClr val="5B9BD5"/>
+      </a:accent1>
+      <a:accent2>
+        <a:srgbClr val="ED7D31"/>
+      </a:accent2>
+      <a:accent3>
+        <a:srgbClr val="A5A5A5"/>
+      </a:accent3>
+      <a:accent4>
+        <a:srgbClr val="FFC000"/>
+      </a:accent4>
+      <a:accent5>
+        <a:srgbClr val="4472C4"/>
+      </a:accent5>
+      <a:accent6>
+        <a:srgbClr val="70AD47"/>
+      </a:accent6>
+      <a:hlink>
+        <a:srgbClr val="0563C1"/>
+      </a:hlink>
+      <a:folHlink>
+        <a:srgbClr val="954F72"/>
+      </a:folHlink>
+    </a:clrScheme>
+    <a:fontScheme name="Office">
+      <a:majorFont>
+        <a:latin typeface="Calibri Light" panose="020F0302020204030204"/>
+        <a:ea typeface=""/>
+        <a:cs typeface=""/>
+        <a:font script="Jpan" typeface="游ゴシック Light"/>
+        <a:font script="Hang" typeface="맑은 고딕"/>
+        <a:font script="Hans" typeface="等线 Light"/>
+        <a:font script="Hant" typeface="新細明體"/>
+        <a:font script="Arab" typeface="Times New Roman"/>
+        <a:font script="Hebr" typeface="Times New Roman"/>
+        <a:font script="Thai" typeface="Angsana New"/>
+        <a:font script="Ethi" typeface="Nyala"/>
+        <a:font script="Beng" typeface="Vrinda"/>
+        <a:font script="Gujr" typeface="Shruti"/>
+        <a:font script="Khmr" typeface="MoolBoran"/>
+        <a:font script="Knda" typeface="Tunga"/>
+        <a:font script="Guru" typeface="Raavi"/>
+        <a:font script="Cans" typeface="Euphemia"/>
+        <a:font script="Cher" typeface="Plantagenet Cherokee"/>
+        <a:font script="Yiii" typeface="Microsoft Yi Baiti"/>
+        <a:font script="Tibt" typeface="Microsoft Himalaya"/>
+        <a:font script="Thaa" typeface="MV Boli"/>
+        <a:font script="Deva" typeface="Mangal"/>
+        <a:font script="Telu" typeface="Gautami"/>
+        <a:font script="Taml" typeface="Latha"/>
+        <a:font script="Syrc" typeface="Estrangelo Edessa"/>
+        <a:font script="Orya" typeface="Kalinga"/>
+        <a:font script="Mlym" typeface="Kartika"/>
+        <a:font script="Laoo" typeface="DokChampa"/>
+        <a:font script="Sinh" typeface="Iskoola Pota"/>
+        <a:font script="Mong" typeface="Mongolian Baiti"/>
+        <a:font script="Viet" typeface="Times New Roman"/>
+        <a:font script="Uigh" typeface="Microsoft Uighur"/>
+        <a:font script="Geor" typeface="Sylfaen"/>
+      </a:majorFont>
+      <a:minorFont>
+        <a:latin typeface="Calibri" panose="020F0502020204030204"/>
+        <a:ea typeface=""/>
+        <a:cs typeface=""/>
+        <a:font script="Jpan" typeface="游ゴシック"/>
+        <a:font script="Hang" typeface="맑은 고딕"/>
+        <a:font script="Hans" typeface="等线"/>
+        <a:font script="Hant" typeface="新細明體"/>
+        <a:font script="Arab" typeface="Arial"/>
+        <a:font script="Hebr" typeface="Arial"/>
+        <a:font script="Thai" typeface="Cordia New"/>
+        <a:font script="Ethi" typeface="Nyala"/>
+        <a:font script="Beng" typeface="Vrinda"/>
+        <a:font script="Gujr" typeface="Shruti"/>
+        <a:font script="Khmr" typeface="DaunPenh"/>
+        <a:font script="Knda" typeface="Tunga"/>
+        <a:font script="Guru" typeface="Raavi"/>
+        <a:font script="Cans" typeface="Euphemia"/>
+        <a:font script="Cher" typeface="Plantagenet Cherokee"/>
+        <a:font script="Yiii" typeface="Microsoft Yi Baiti"/>
+        <a:font script="Tibt" typeface="Microsoft Himalaya"/>
+        <a:font script="Thaa" typeface="MV Boli"/>
+        <a:font script="Deva" typeface="Mangal"/>
+        <a:font script="Telu" typeface="Gautami"/>
+        <a:font script="Taml" typeface="Latha"/>
+        <a:font script="Syrc" typeface="Estrangelo Edessa"/>
+        <a:font script="Orya" typeface="Kalinga"/>
+        <a:font script="Mlym" typeface="Kartika"/>
+        <a:font script="Laoo" typeface="DokChampa"/>
+        <a:font script="Sinh" typeface="Iskoola Pota"/>
+        <a:font script="Mong" typeface="Mongolian Baiti"/>
+        <a:font script="Viet" typeface="Arial"/>
+        <a:font script="Uigh" typeface="Microsoft Uighur"/>
+        <a:font script="Geor" typeface="Sylfaen"/>
+      </a:minorFont>
+    </a:fontScheme>
+    <a:fmtScheme name="Office">
+      <a:fillStyleLst>
+        <a:solidFill>
+          <a:schemeClr val="phClr"/>
+        </a:solidFill>
+        <a:gradFill rotWithShape="1">
+          <a:gsLst>
+            <a:gs pos="0">
+              <a:schemeClr val="phClr">
+                <a:lumMod val="110000"/>
+                <a:satMod val="105000"/>
+                <a:tint val="67000"/>
+              </a:schemeClr>
+            </a:gs>
+            <a:gs pos="50000">
+              <a:schemeClr val="phClr">
+                <a:lumMod val="105000"/>
+                <a:satMod val="103000"/>
+                <a:tint val="73000"/>
+              </a:schemeClr>
+            </a:gs>
+            <a:gs pos="100000">
+              <a:schemeClr val="phClr">
+                <a:lumMod val="105000"/>
+                <a:satMod val="109000"/>
+                <a:tint val="81000"/>
+              </a:schemeClr>
+            </a:gs>
+          </a:gsLst>
+          <a:lin ang="5400000" scaled="0"/>
+        </a:gradFill>
+        <a:gradFill rotWithShape="1">
+          <a:gsLst>
+            <a:gs pos="0">
+              <a:schemeClr val="phClr">
+                <a:satMod val="103000"/>
+                <a:lumMod val="102000"/>
+                <a:tint val="94000"/>
+              </a:schemeClr>
+            </a:gs>
+            <a:gs pos="50000">
+              <a:schemeClr val="phClr">
+                <a:satMod val="110000"/>
+                <a:lumMod val="100000"/>
+                <a:shade val="100000"/>
+              </a:schemeClr>
+            </a:gs>
+            <a:gs pos="100000">
+              <a:schemeClr val="phClr">
+                <a:lumMod val="99000"/>
+                <a:satMod val="120000"/>
+                <a:shade val="78000"/>
+              </a:schemeClr>
+            </a:gs>
+          </a:gsLst>
+          <a:lin ang="5400000" scaled="0"/>
+        </a:gradFill>
+      </a:fillStyleLst>
+      <a:lnStyleLst>
+        <a:ln w="6350" cap="flat" cmpd="sng" algn="ctr">
+          <a:solidFill>
+            <a:schemeClr val="phClr"/>
+          </a:solidFill>
+          <a:prstDash val="solid"/>
+          <a:miter lim="800000"/>
+        </a:ln>
+        <a:ln w="12700" cap="flat" cmpd="sng" algn="ctr">
+          <a:solidFill>
+            <a:schemeClr val="phClr"/>
+          </a:solidFill>
+          <a:prstDash val="solid"/>
+          <a:miter lim="800000"/>
+        </a:ln>
+        <a:ln w="19050" cap="flat" cmpd="sng" algn="ctr">
+          <a:solidFill>
+            <a:schemeClr val="phClr"/>
+          </a:solidFill>
+          <a:prstDash val="solid"/>
+          <a:miter lim="800000"/>
+        </a:ln>
+      </a:lnStyleLst>
+      <a:effectStyleLst>
+        <a:effectStyle>
+          <a:effectLst/>
+        </a:effectStyle>
+        <a:effectStyle>
+          <a:effectLst/>
+        </a:effectStyle>
+        <a:effectStyle>
+          <a:effectLst>
+            <a:outerShdw blurRad="57150" dist="19050" dir="5400000" algn="ctr" rotWithShape="0">
+              <a:srgbClr val="000000">
+                <a:alpha val="63000"/>
+              </a:srgbClr>
+            </a:outerShdw>
+          </a:effectLst>
+        </a:effectStyle>
+      </a:effectStyleLst>
+      <a:bgFillStyleLst>
+        <a:solidFill>
+          <a:schemeClr val="phClr"/>
+        </a:solidFill>
+        <a:solidFill>
+          <a:schemeClr val="phClr">
+            <a:tint val="95000"/>
+            <a:satMod val="170000"/>
+          </a:schemeClr>
+        </a:solidFill>
+        <a:gradFill rotWithShape="1">
+          <a:gsLst>
+            <a:gs pos="0">
+              <a:schemeClr val="phClr">
+                <a:tint val="93000"/>
+                <a:satMod val="150000"/>
+                <a:shade val="98000"/>
+                <a:lumMod val="102000"/>
+              </a:schemeClr>
+            </a:gs>
+            <a:gs pos="50000">
+              <a:schemeClr val="phClr">
+                <a:tint val="98000"/>
+                <a:satMod val="130000"/>
+                <a:shade val="90000"/>
+                <a:lumMod val="103000"/>
+              </a:schemeClr>
+            </a:gs>
+            <a:gs pos="100000">
+              <a:schemeClr val="phClr">
+                <a:shade val="63000"/>
+                <a:satMod val="120000"/>
+              </a:schemeClr>
+            </a:gs>
+          </a:gsLst>
+          <a:lin ang="5400000" scaled="0"/>
+        </a:gradFill>
+      </a:bgFillStyleLst>
+    </a:fmtScheme>
+  </a:themeElements>
+  <a:objectDefaults/>
+  <a:extraClrSchemeLst/>
+  <a:extLst>
+    <a:ext uri="{05A4C25C-085E-4340-85A3-A5531E510DB2}">
+      <thm15:themeFamily xmlns:thm15="http://schemas.microsoft.com/office/thememl/2012/main" name="Office Theme" id="{62F939B6-93AF-4DB8-9C6B-D6C7DFDC589F}" vid="{4A3C46E8-61CC-4603-A589-7422A47A8E4A}"/>
+    </a:ext>
+  </a:extLst>
+</a:theme>
 </file>